--- a/Template_Tugas_5__Improving_Employee_Retention_by_Predicting_Employee_Attrition_Using_Machine_Learning-b87d5499-c803-4a2c-9737-f9ed30566dbf.pptx
+++ b/Template_Tugas_5__Improving_Employee_Retention_by_Predicting_Employee_Attrition_Using_Machine_Learning-b87d5499-c803-4a2c-9737-f9ed30566dbf.pptx
@@ -1,28 +1,28 @@
 
 <file path=ppt/presentation.xml><?xml version="1.0" encoding="utf-8"?>
-<p:presentation xmlns:a="http://schemas.openxmlformats.org/drawingml/2006/main" xmlns:r="http://schemas.openxmlformats.org/officeDocument/2006/relationships" xmlns:mc="http://schemas.openxmlformats.org/markup-compatibility/2006" xmlns:mv="urn:schemas-microsoft-com:mac:vml" xmlns:p="http://schemas.openxmlformats.org/presentationml/2006/main" xmlns:c="http://schemas.openxmlformats.org/drawingml/2006/chart" xmlns:dgm="http://schemas.openxmlformats.org/drawingml/2006/diagram" xmlns:o="urn:schemas-microsoft-com:office:office" xmlns:v="urn:schemas-microsoft-com:vml" xmlns:pvml="urn:schemas-microsoft-com:office:powerpoint" xmlns:com="http://schemas.openxmlformats.org/drawingml/2006/compatibility" xmlns:p14="http://schemas.microsoft.com/office/powerpoint/2010/main" xmlns:p15="http://schemas.microsoft.com/office/powerpoint/2012/main" xmlns:ahyp="http://schemas.microsoft.com/office/drawing/2018/hyperlinkcolor" autoCompressPictures="0" embedTrueTypeFonts="1" strictFirstAndLastChars="0" saveSubsetFonts="1">
+<p:presentation xmlns:a="http://schemas.openxmlformats.org/drawingml/2006/main" xmlns:r="http://schemas.openxmlformats.org/officeDocument/2006/relationships" xmlns:p="http://schemas.openxmlformats.org/presentationml/2006/main" strictFirstAndLastChars="0" embedTrueTypeFonts="1" saveSubsetFonts="1" autoCompressPictures="0">
   <p:sldMasterIdLst>
-    <p:sldMasterId id="2147483659" r:id="rId4"/>
+    <p:sldMasterId id="2147483659" r:id="rId1"/>
   </p:sldMasterIdLst>
   <p:notesMasterIdLst>
-    <p:notesMasterId r:id="rId5"/>
+    <p:notesMasterId r:id="rId3"/>
   </p:notesMasterIdLst>
   <p:sldIdLst>
-    <p:sldId id="256" r:id="rId6"/>
+    <p:sldId id="256" r:id="rId2"/>
   </p:sldIdLst>
-  <p:sldSz cy="5143500" cx="9144000"/>
+  <p:sldSz cx="9144000" cy="5143500" type="screen16x9"/>
   <p:notesSz cx="6858000" cy="9144000"/>
   <p:embeddedFontLst>
     <p:embeddedFont>
-      <p:font typeface="Roboto"/>
-      <p:regular r:id="rId7"/>
-      <p:bold r:id="rId8"/>
-      <p:italic r:id="rId9"/>
-      <p:boldItalic r:id="rId10"/>
+      <p:font typeface="Roboto" panose="020B0604020202020204" charset="0"/>
+      <p:regular r:id="rId4"/>
+      <p:bold r:id="rId5"/>
+      <p:italic r:id="rId6"/>
+      <p:boldItalic r:id="rId7"/>
     </p:embeddedFont>
   </p:embeddedFontLst>
   <p:defaultTextStyle>
-    <a:defPPr lvl="0" marR="0" rtl="0" algn="l">
+    <a:defPPr marR="0" lvl="0" algn="l" rtl="0">
       <a:lnSpc>
         <a:spcPct val="100000"/>
       </a:lnSpc>
@@ -33,7 +33,7 @@
         <a:spcPts val="0"/>
       </a:spcAft>
     </a:defPPr>
-    <a:lvl1pPr lvl="0" marR="0" rtl="0" algn="l">
+    <a:lvl1pPr marR="0" lvl="0" algn="l" rtl="0">
       <a:lnSpc>
         <a:spcPct val="100000"/>
       </a:lnSpc>
@@ -47,7 +47,7 @@
         <a:srgbClr val="000000"/>
       </a:buClr>
       <a:buFont typeface="Arial"/>
-      <a:defRPr b="0" i="0" sz="1400" u="none" cap="none" strike="noStrike">
+      <a:defRPr sz="1400" b="0" i="0" u="none" strike="noStrike" cap="none">
         <a:solidFill>
           <a:srgbClr val="000000"/>
         </a:solidFill>
@@ -57,7 +57,7 @@
         <a:sym typeface="Arial"/>
       </a:defRPr>
     </a:lvl1pPr>
-    <a:lvl2pPr lvl="1" marR="0" rtl="0" algn="l">
+    <a:lvl2pPr marR="0" lvl="1" algn="l" rtl="0">
       <a:lnSpc>
         <a:spcPct val="100000"/>
       </a:lnSpc>
@@ -71,7 +71,7 @@
         <a:srgbClr val="000000"/>
       </a:buClr>
       <a:buFont typeface="Arial"/>
-      <a:defRPr b="0" i="0" sz="1400" u="none" cap="none" strike="noStrike">
+      <a:defRPr sz="1400" b="0" i="0" u="none" strike="noStrike" cap="none">
         <a:solidFill>
           <a:srgbClr val="000000"/>
         </a:solidFill>
@@ -81,7 +81,7 @@
         <a:sym typeface="Arial"/>
       </a:defRPr>
     </a:lvl2pPr>
-    <a:lvl3pPr lvl="2" marR="0" rtl="0" algn="l">
+    <a:lvl3pPr marR="0" lvl="2" algn="l" rtl="0">
       <a:lnSpc>
         <a:spcPct val="100000"/>
       </a:lnSpc>
@@ -95,7 +95,7 @@
         <a:srgbClr val="000000"/>
       </a:buClr>
       <a:buFont typeface="Arial"/>
-      <a:defRPr b="0" i="0" sz="1400" u="none" cap="none" strike="noStrike">
+      <a:defRPr sz="1400" b="0" i="0" u="none" strike="noStrike" cap="none">
         <a:solidFill>
           <a:srgbClr val="000000"/>
         </a:solidFill>
@@ -105,7 +105,7 @@
         <a:sym typeface="Arial"/>
       </a:defRPr>
     </a:lvl3pPr>
-    <a:lvl4pPr lvl="3" marR="0" rtl="0" algn="l">
+    <a:lvl4pPr marR="0" lvl="3" algn="l" rtl="0">
       <a:lnSpc>
         <a:spcPct val="100000"/>
       </a:lnSpc>
@@ -119,7 +119,7 @@
         <a:srgbClr val="000000"/>
       </a:buClr>
       <a:buFont typeface="Arial"/>
-      <a:defRPr b="0" i="0" sz="1400" u="none" cap="none" strike="noStrike">
+      <a:defRPr sz="1400" b="0" i="0" u="none" strike="noStrike" cap="none">
         <a:solidFill>
           <a:srgbClr val="000000"/>
         </a:solidFill>
@@ -129,7 +129,7 @@
         <a:sym typeface="Arial"/>
       </a:defRPr>
     </a:lvl4pPr>
-    <a:lvl5pPr lvl="4" marR="0" rtl="0" algn="l">
+    <a:lvl5pPr marR="0" lvl="4" algn="l" rtl="0">
       <a:lnSpc>
         <a:spcPct val="100000"/>
       </a:lnSpc>
@@ -143,7 +143,7 @@
         <a:srgbClr val="000000"/>
       </a:buClr>
       <a:buFont typeface="Arial"/>
-      <a:defRPr b="0" i="0" sz="1400" u="none" cap="none" strike="noStrike">
+      <a:defRPr sz="1400" b="0" i="0" u="none" strike="noStrike" cap="none">
         <a:solidFill>
           <a:srgbClr val="000000"/>
         </a:solidFill>
@@ -153,7 +153,7 @@
         <a:sym typeface="Arial"/>
       </a:defRPr>
     </a:lvl5pPr>
-    <a:lvl6pPr lvl="5" marR="0" rtl="0" algn="l">
+    <a:lvl6pPr marR="0" lvl="5" algn="l" rtl="0">
       <a:lnSpc>
         <a:spcPct val="100000"/>
       </a:lnSpc>
@@ -167,7 +167,7 @@
         <a:srgbClr val="000000"/>
       </a:buClr>
       <a:buFont typeface="Arial"/>
-      <a:defRPr b="0" i="0" sz="1400" u="none" cap="none" strike="noStrike">
+      <a:defRPr sz="1400" b="0" i="0" u="none" strike="noStrike" cap="none">
         <a:solidFill>
           <a:srgbClr val="000000"/>
         </a:solidFill>
@@ -177,7 +177,7 @@
         <a:sym typeface="Arial"/>
       </a:defRPr>
     </a:lvl6pPr>
-    <a:lvl7pPr lvl="6" marR="0" rtl="0" algn="l">
+    <a:lvl7pPr marR="0" lvl="6" algn="l" rtl="0">
       <a:lnSpc>
         <a:spcPct val="100000"/>
       </a:lnSpc>
@@ -191,7 +191,7 @@
         <a:srgbClr val="000000"/>
       </a:buClr>
       <a:buFont typeface="Arial"/>
-      <a:defRPr b="0" i="0" sz="1400" u="none" cap="none" strike="noStrike">
+      <a:defRPr sz="1400" b="0" i="0" u="none" strike="noStrike" cap="none">
         <a:solidFill>
           <a:srgbClr val="000000"/>
         </a:solidFill>
@@ -201,7 +201,7 @@
         <a:sym typeface="Arial"/>
       </a:defRPr>
     </a:lvl7pPr>
-    <a:lvl8pPr lvl="7" marR="0" rtl="0" algn="l">
+    <a:lvl8pPr marR="0" lvl="7" algn="l" rtl="0">
       <a:lnSpc>
         <a:spcPct val="100000"/>
       </a:lnSpc>
@@ -215,7 +215,7 @@
         <a:srgbClr val="000000"/>
       </a:buClr>
       <a:buFont typeface="Arial"/>
-      <a:defRPr b="0" i="0" sz="1400" u="none" cap="none" strike="noStrike">
+      <a:defRPr sz="1400" b="0" i="0" u="none" strike="noStrike" cap="none">
         <a:solidFill>
           <a:srgbClr val="000000"/>
         </a:solidFill>
@@ -225,7 +225,7 @@
         <a:sym typeface="Arial"/>
       </a:defRPr>
     </a:lvl8pPr>
-    <a:lvl9pPr lvl="8" marR="0" rtl="0" algn="l">
+    <a:lvl9pPr marR="0" lvl="8" algn="l" rtl="0">
       <a:lnSpc>
         <a:spcPct val="100000"/>
       </a:lnSpc>
@@ -239,7 +239,7 @@
         <a:srgbClr val="000000"/>
       </a:buClr>
       <a:buFont typeface="Arial"/>
-      <a:defRPr b="0" i="0" sz="1400" u="none" cap="none" strike="noStrike">
+      <a:defRPr sz="1400" b="0" i="0" u="none" strike="noStrike" cap="none">
         <a:solidFill>
           <a:srgbClr val="000000"/>
         </a:solidFill>
@@ -252,7 +252,7 @@
   </p:defaultTextStyle>
   <p:extLst>
     <p:ext uri="{EFAFB233-063F-42B5-8137-9DF3F51BA10A}">
-      <p15:sldGuideLst>
+      <p15:sldGuideLst xmlns:p15="http://schemas.microsoft.com/office/powerpoint/2012/main">
         <p15:guide id="1" orient="horz" pos="1620">
           <p15:clr>
             <a:srgbClr val="A4A3A4"/>
@@ -270,11 +270,16 @@
 </file>
 
 <file path=ppt/notesMasters/notesMaster1.xml><?xml version="1.0" encoding="utf-8"?>
-<p:notesMaster xmlns:a="http://schemas.openxmlformats.org/drawingml/2006/main" xmlns:r="http://schemas.openxmlformats.org/officeDocument/2006/relationships" xmlns:mc="http://schemas.openxmlformats.org/markup-compatibility/2006" xmlns:mv="urn:schemas-microsoft-com:mac:vml" xmlns:p="http://schemas.openxmlformats.org/presentationml/2006/main" xmlns:c="http://schemas.openxmlformats.org/drawingml/2006/chart" xmlns:dgm="http://schemas.openxmlformats.org/drawingml/2006/diagram" xmlns:o="urn:schemas-microsoft-com:office:office" xmlns:v="urn:schemas-microsoft-com:vml" xmlns:pvml="urn:schemas-microsoft-com:office:powerpoint" xmlns:com="http://schemas.openxmlformats.org/drawingml/2006/compatibility" xmlns:p14="http://schemas.microsoft.com/office/powerpoint/2010/main" xmlns:p15="http://schemas.microsoft.com/office/powerpoint/2012/main" xmlns:ahyp="http://schemas.microsoft.com/office/drawing/2018/hyperlinkcolor">
+<p:notesMaster xmlns:a="http://schemas.openxmlformats.org/drawingml/2006/main" xmlns:r="http://schemas.openxmlformats.org/officeDocument/2006/relationships" xmlns:p="http://schemas.openxmlformats.org/presentationml/2006/main">
   <p:cSld>
+    <p:bg>
+      <p:bgRef idx="1001">
+        <a:schemeClr val="bg1"/>
+      </p:bgRef>
+    </p:bg>
     <p:spTree>
       <p:nvGrpSpPr>
-        <p:cNvPr id="2" name="Shape 2"/>
+        <p:cNvPr id="1" name="Shape 2"/>
         <p:cNvGrpSpPr/>
         <p:nvPr/>
       </p:nvGrpSpPr>
@@ -289,9 +294,11 @@
       <p:sp>
         <p:nvSpPr>
           <p:cNvPr id="3" name="Google Shape;3;n"/>
-          <p:cNvSpPr/>
+          <p:cNvSpPr>
+            <a:spLocks noGrp="1" noRot="1" noChangeAspect="1"/>
+          </p:cNvSpPr>
           <p:nvPr>
-            <p:ph idx="2" type="sldImg"/>
+            <p:ph type="sldImg" idx="2"/>
           </p:nvPr>
         </p:nvSpPr>
         <p:spPr>
@@ -300,9 +307,13 @@
             <a:ext cx="6096075" cy="3429000"/>
           </a:xfrm>
           <a:custGeom>
-            <a:rect b="b" l="l" r="r" t="t"/>
+            <a:avLst/>
+            <a:gdLst/>
+            <a:ahLst/>
+            <a:cxnLst/>
+            <a:rect l="l" t="t" r="r" b="b"/>
             <a:pathLst>
-              <a:path extrusionOk="0" h="120000" w="120000">
+              <a:path w="120000" h="120000" extrusionOk="0">
                 <a:moveTo>
                   <a:pt x="0" y="0"/>
                 </a:moveTo>
@@ -320,23 +331,25 @@
             </a:pathLst>
           </a:custGeom>
           <a:noFill/>
-          <a:ln cap="flat" cmpd="sng" w="9525">
+          <a:ln w="9525" cap="flat" cmpd="sng">
             <a:solidFill>
               <a:srgbClr val="000000"/>
             </a:solidFill>
             <a:prstDash val="solid"/>
             <a:round/>
-            <a:headEnd len="sm" w="sm" type="none"/>
-            <a:tailEnd len="sm" w="sm" type="none"/>
+            <a:headEnd type="none" w="sm" len="sm"/>
+            <a:tailEnd type="none" w="sm" len="sm"/>
           </a:ln>
         </p:spPr>
       </p:sp>
       <p:sp>
         <p:nvSpPr>
           <p:cNvPr id="4" name="Google Shape;4;n"/>
-          <p:cNvSpPr txBox="1"/>
+          <p:cNvSpPr txBox="1">
+            <a:spLocks noGrp="1"/>
+          </p:cNvSpPr>
           <p:nvPr>
-            <p:ph idx="1" type="body"/>
+            <p:ph type="body" idx="1"/>
           </p:nvPr>
         </p:nvSpPr>
         <p:spPr>
@@ -353,11 +366,11 @@
           </a:ln>
         </p:spPr>
         <p:txBody>
-          <a:bodyPr anchorCtr="0" anchor="t" bIns="91425" lIns="91425" spcFirstLastPara="1" rIns="91425" wrap="square" tIns="91425">
+          <a:bodyPr spcFirstLastPara="1" wrap="square" lIns="91425" tIns="91425" rIns="91425" bIns="91425" anchor="t" anchorCtr="0">
             <a:noAutofit/>
           </a:bodyPr>
           <a:lstStyle>
-            <a:lvl1pPr indent="-298450" lvl="0" marL="457200">
+            <a:lvl1pPr marL="457200" lvl="0" indent="-298450">
               <a:spcBef>
                 <a:spcPts val="0"/>
               </a:spcBef>
@@ -368,7 +381,7 @@
               <a:buChar char="●"/>
               <a:defRPr sz="1100"/>
             </a:lvl1pPr>
-            <a:lvl2pPr indent="-298450" lvl="1" marL="914400">
+            <a:lvl2pPr marL="914400" lvl="1" indent="-298450">
               <a:spcBef>
                 <a:spcPts val="0"/>
               </a:spcBef>
@@ -379,7 +392,7 @@
               <a:buChar char="○"/>
               <a:defRPr sz="1100"/>
             </a:lvl2pPr>
-            <a:lvl3pPr indent="-298450" lvl="2" marL="1371600">
+            <a:lvl3pPr marL="1371600" lvl="2" indent="-298450">
               <a:spcBef>
                 <a:spcPts val="0"/>
               </a:spcBef>
@@ -390,7 +403,7 @@
               <a:buChar char="■"/>
               <a:defRPr sz="1100"/>
             </a:lvl3pPr>
-            <a:lvl4pPr indent="-298450" lvl="3" marL="1828800">
+            <a:lvl4pPr marL="1828800" lvl="3" indent="-298450">
               <a:spcBef>
                 <a:spcPts val="0"/>
               </a:spcBef>
@@ -401,7 +414,7 @@
               <a:buChar char="●"/>
               <a:defRPr sz="1100"/>
             </a:lvl4pPr>
-            <a:lvl5pPr indent="-298450" lvl="4" marL="2286000">
+            <a:lvl5pPr marL="2286000" lvl="4" indent="-298450">
               <a:spcBef>
                 <a:spcPts val="0"/>
               </a:spcBef>
@@ -412,7 +425,7 @@
               <a:buChar char="○"/>
               <a:defRPr sz="1100"/>
             </a:lvl5pPr>
-            <a:lvl6pPr indent="-298450" lvl="5" marL="2743200">
+            <a:lvl6pPr marL="2743200" lvl="5" indent="-298450">
               <a:spcBef>
                 <a:spcPts val="0"/>
               </a:spcBef>
@@ -423,7 +436,7 @@
               <a:buChar char="■"/>
               <a:defRPr sz="1100"/>
             </a:lvl6pPr>
-            <a:lvl7pPr indent="-298450" lvl="6" marL="3200400">
+            <a:lvl7pPr marL="3200400" lvl="6" indent="-298450">
               <a:spcBef>
                 <a:spcPts val="0"/>
               </a:spcBef>
@@ -434,7 +447,7 @@
               <a:buChar char="●"/>
               <a:defRPr sz="1100"/>
             </a:lvl7pPr>
-            <a:lvl8pPr indent="-298450" lvl="7" marL="3657600">
+            <a:lvl8pPr marL="3657600" lvl="7" indent="-298450">
               <a:spcBef>
                 <a:spcPts val="0"/>
               </a:spcBef>
@@ -445,7 +458,7 @@
               <a:buChar char="○"/>
               <a:defRPr sz="1100"/>
             </a:lvl8pPr>
-            <a:lvl9pPr indent="-298450" lvl="8" marL="4114800">
+            <a:lvl9pPr marL="4114800" lvl="8" indent="-298450">
               <a:spcBef>
                 <a:spcPts val="0"/>
               </a:spcBef>
@@ -457,14 +470,21 @@
               <a:defRPr sz="1100"/>
             </a:lvl9pPr>
           </a:lstStyle>
-          <a:p/>
+          <a:p>
+            <a:endParaRPr/>
+          </a:p>
         </p:txBody>
       </p:sp>
     </p:spTree>
+    <p:extLst>
+      <p:ext uri="{BB962C8B-B14F-4D97-AF65-F5344CB8AC3E}">
+        <p14:creationId xmlns:p14="http://schemas.microsoft.com/office/powerpoint/2010/main" val="2853147587"/>
+      </p:ext>
+    </p:extLst>
   </p:cSld>
-  <p:clrMap accent1="accent1" accent2="accent2" accent3="accent3" accent4="accent4" accent5="accent5" accent6="accent6" bg1="lt1" bg2="dk2" tx1="dk1" tx2="lt2" folHlink="folHlink" hlink="hlink"/>
+  <p:clrMap bg1="lt1" tx1="dk1" bg2="dk2" tx2="lt2" accent1="accent1" accent2="accent2" accent3="accent3" accent4="accent4" accent5="accent5" accent6="accent6" hlink="hlink" folHlink="folHlink"/>
   <p:notesStyle>
-    <a:defPPr lvl="0" marR="0" rtl="0" algn="l">
+    <a:defPPr marR="0" lvl="0" algn="l" rtl="0">
       <a:lnSpc>
         <a:spcPct val="100000"/>
       </a:lnSpc>
@@ -475,7 +495,7 @@
         <a:spcPts val="0"/>
       </a:spcAft>
     </a:defPPr>
-    <a:lvl1pPr lvl="0" marR="0" rtl="0" algn="l">
+    <a:lvl1pPr marR="0" lvl="0" algn="l" rtl="0">
       <a:lnSpc>
         <a:spcPct val="100000"/>
       </a:lnSpc>
@@ -489,7 +509,7 @@
         <a:srgbClr val="000000"/>
       </a:buClr>
       <a:buFont typeface="Arial"/>
-      <a:defRPr b="0" i="0" sz="1400" u="none" cap="none" strike="noStrike">
+      <a:defRPr sz="1400" b="0" i="0" u="none" strike="noStrike" cap="none">
         <a:solidFill>
           <a:srgbClr val="000000"/>
         </a:solidFill>
@@ -499,7 +519,7 @@
         <a:sym typeface="Arial"/>
       </a:defRPr>
     </a:lvl1pPr>
-    <a:lvl2pPr lvl="1" marR="0" rtl="0" algn="l">
+    <a:lvl2pPr marR="0" lvl="1" algn="l" rtl="0">
       <a:lnSpc>
         <a:spcPct val="100000"/>
       </a:lnSpc>
@@ -513,7 +533,7 @@
         <a:srgbClr val="000000"/>
       </a:buClr>
       <a:buFont typeface="Arial"/>
-      <a:defRPr b="0" i="0" sz="1400" u="none" cap="none" strike="noStrike">
+      <a:defRPr sz="1400" b="0" i="0" u="none" strike="noStrike" cap="none">
         <a:solidFill>
           <a:srgbClr val="000000"/>
         </a:solidFill>
@@ -523,7 +543,7 @@
         <a:sym typeface="Arial"/>
       </a:defRPr>
     </a:lvl2pPr>
-    <a:lvl3pPr lvl="2" marR="0" rtl="0" algn="l">
+    <a:lvl3pPr marR="0" lvl="2" algn="l" rtl="0">
       <a:lnSpc>
         <a:spcPct val="100000"/>
       </a:lnSpc>
@@ -537,7 +557,7 @@
         <a:srgbClr val="000000"/>
       </a:buClr>
       <a:buFont typeface="Arial"/>
-      <a:defRPr b="0" i="0" sz="1400" u="none" cap="none" strike="noStrike">
+      <a:defRPr sz="1400" b="0" i="0" u="none" strike="noStrike" cap="none">
         <a:solidFill>
           <a:srgbClr val="000000"/>
         </a:solidFill>
@@ -547,7 +567,7 @@
         <a:sym typeface="Arial"/>
       </a:defRPr>
     </a:lvl3pPr>
-    <a:lvl4pPr lvl="3" marR="0" rtl="0" algn="l">
+    <a:lvl4pPr marR="0" lvl="3" algn="l" rtl="0">
       <a:lnSpc>
         <a:spcPct val="100000"/>
       </a:lnSpc>
@@ -561,7 +581,7 @@
         <a:srgbClr val="000000"/>
       </a:buClr>
       <a:buFont typeface="Arial"/>
-      <a:defRPr b="0" i="0" sz="1400" u="none" cap="none" strike="noStrike">
+      <a:defRPr sz="1400" b="0" i="0" u="none" strike="noStrike" cap="none">
         <a:solidFill>
           <a:srgbClr val="000000"/>
         </a:solidFill>
@@ -571,7 +591,7 @@
         <a:sym typeface="Arial"/>
       </a:defRPr>
     </a:lvl4pPr>
-    <a:lvl5pPr lvl="4" marR="0" rtl="0" algn="l">
+    <a:lvl5pPr marR="0" lvl="4" algn="l" rtl="0">
       <a:lnSpc>
         <a:spcPct val="100000"/>
       </a:lnSpc>
@@ -585,7 +605,7 @@
         <a:srgbClr val="000000"/>
       </a:buClr>
       <a:buFont typeface="Arial"/>
-      <a:defRPr b="0" i="0" sz="1400" u="none" cap="none" strike="noStrike">
+      <a:defRPr sz="1400" b="0" i="0" u="none" strike="noStrike" cap="none">
         <a:solidFill>
           <a:srgbClr val="000000"/>
         </a:solidFill>
@@ -595,7 +615,7 @@
         <a:sym typeface="Arial"/>
       </a:defRPr>
     </a:lvl5pPr>
-    <a:lvl6pPr lvl="5" marR="0" rtl="0" algn="l">
+    <a:lvl6pPr marR="0" lvl="5" algn="l" rtl="0">
       <a:lnSpc>
         <a:spcPct val="100000"/>
       </a:lnSpc>
@@ -609,7 +629,7 @@
         <a:srgbClr val="000000"/>
       </a:buClr>
       <a:buFont typeface="Arial"/>
-      <a:defRPr b="0" i="0" sz="1400" u="none" cap="none" strike="noStrike">
+      <a:defRPr sz="1400" b="0" i="0" u="none" strike="noStrike" cap="none">
         <a:solidFill>
           <a:srgbClr val="000000"/>
         </a:solidFill>
@@ -619,7 +639,7 @@
         <a:sym typeface="Arial"/>
       </a:defRPr>
     </a:lvl6pPr>
-    <a:lvl7pPr lvl="6" marR="0" rtl="0" algn="l">
+    <a:lvl7pPr marR="0" lvl="6" algn="l" rtl="0">
       <a:lnSpc>
         <a:spcPct val="100000"/>
       </a:lnSpc>
@@ -633,7 +653,7 @@
         <a:srgbClr val="000000"/>
       </a:buClr>
       <a:buFont typeface="Arial"/>
-      <a:defRPr b="0" i="0" sz="1400" u="none" cap="none" strike="noStrike">
+      <a:defRPr sz="1400" b="0" i="0" u="none" strike="noStrike" cap="none">
         <a:solidFill>
           <a:srgbClr val="000000"/>
         </a:solidFill>
@@ -643,7 +663,7 @@
         <a:sym typeface="Arial"/>
       </a:defRPr>
     </a:lvl7pPr>
-    <a:lvl8pPr lvl="7" marR="0" rtl="0" algn="l">
+    <a:lvl8pPr marR="0" lvl="7" algn="l" rtl="0">
       <a:lnSpc>
         <a:spcPct val="100000"/>
       </a:lnSpc>
@@ -657,7 +677,7 @@
         <a:srgbClr val="000000"/>
       </a:buClr>
       <a:buFont typeface="Arial"/>
-      <a:defRPr b="0" i="0" sz="1400" u="none" cap="none" strike="noStrike">
+      <a:defRPr sz="1400" b="0" i="0" u="none" strike="noStrike" cap="none">
         <a:solidFill>
           <a:srgbClr val="000000"/>
         </a:solidFill>
@@ -667,7 +687,7 @@
         <a:sym typeface="Arial"/>
       </a:defRPr>
     </a:lvl8pPr>
-    <a:lvl9pPr lvl="8" marR="0" rtl="0" algn="l">
+    <a:lvl9pPr marR="0" lvl="8" algn="l" rtl="0">
       <a:lnSpc>
         <a:spcPct val="100000"/>
       </a:lnSpc>
@@ -681,7 +701,7 @@
         <a:srgbClr val="000000"/>
       </a:buClr>
       <a:buFont typeface="Arial"/>
-      <a:defRPr b="0" i="0" sz="1400" u="none" cap="none" strike="noStrike">
+      <a:defRPr sz="1400" b="0" i="0" u="none" strike="noStrike" cap="none">
         <a:solidFill>
           <a:srgbClr val="000000"/>
         </a:solidFill>
@@ -696,11 +716,11 @@
 </file>
 
 <file path=ppt/notesSlides/notesSlide1.xml><?xml version="1.0" encoding="utf-8"?>
-<p:notes xmlns:a="http://schemas.openxmlformats.org/drawingml/2006/main" xmlns:r="http://schemas.openxmlformats.org/officeDocument/2006/relationships" xmlns:mc="http://schemas.openxmlformats.org/markup-compatibility/2006" xmlns:mv="urn:schemas-microsoft-com:mac:vml" xmlns:p="http://schemas.openxmlformats.org/presentationml/2006/main" xmlns:c="http://schemas.openxmlformats.org/drawingml/2006/chart" xmlns:dgm="http://schemas.openxmlformats.org/drawingml/2006/diagram" xmlns:o="urn:schemas-microsoft-com:office:office" xmlns:v="urn:schemas-microsoft-com:vml" xmlns:pvml="urn:schemas-microsoft-com:office:powerpoint" xmlns:com="http://schemas.openxmlformats.org/drawingml/2006/compatibility" xmlns:p14="http://schemas.microsoft.com/office/powerpoint/2010/main" xmlns:p15="http://schemas.microsoft.com/office/powerpoint/2012/main" xmlns:ahyp="http://schemas.microsoft.com/office/drawing/2018/hyperlinkcolor" showMasterPhAnim="0" showMasterSp="0">
+<p:notes xmlns:a="http://schemas.openxmlformats.org/drawingml/2006/main" xmlns:r="http://schemas.openxmlformats.org/officeDocument/2006/relationships" xmlns:p="http://schemas.openxmlformats.org/presentationml/2006/main" showMasterSp="0" showMasterPhAnim="0">
   <p:cSld>
     <p:spTree>
       <p:nvGrpSpPr>
-        <p:cNvPr id="50" name="Shape 50"/>
+        <p:cNvPr id="1" name="Shape 50"/>
         <p:cNvGrpSpPr/>
         <p:nvPr/>
       </p:nvGrpSpPr>
@@ -715,20 +735,26 @@
       <p:sp>
         <p:nvSpPr>
           <p:cNvPr id="51" name="Google Shape;51;g109baabb656_0_0:notes"/>
-          <p:cNvSpPr/>
+          <p:cNvSpPr>
+            <a:spLocks noGrp="1" noRot="1" noChangeAspect="1"/>
+          </p:cNvSpPr>
           <p:nvPr>
-            <p:ph idx="2" type="sldImg"/>
+            <p:ph type="sldImg" idx="2"/>
           </p:nvPr>
         </p:nvSpPr>
         <p:spPr>
           <a:xfrm>
-            <a:off x="381300" y="685800"/>
+            <a:off x="381000" y="685800"/>
             <a:ext cx="6096000" cy="3429000"/>
           </a:xfrm>
           <a:custGeom>
-            <a:rect b="b" l="l" r="r" t="t"/>
+            <a:avLst/>
+            <a:gdLst/>
+            <a:ahLst/>
+            <a:cxnLst/>
+            <a:rect l="l" t="t" r="r" b="b"/>
             <a:pathLst>
-              <a:path extrusionOk="0" h="120000" w="120000">
+              <a:path w="120000" h="120000" extrusionOk="0">
                 <a:moveTo>
                   <a:pt x="0" y="0"/>
                 </a:moveTo>
@@ -750,9 +776,11 @@
       <p:sp>
         <p:nvSpPr>
           <p:cNvPr id="52" name="Google Shape;52;g109baabb656_0_0:notes"/>
-          <p:cNvSpPr txBox="1"/>
+          <p:cNvSpPr txBox="1">
+            <a:spLocks noGrp="1"/>
+          </p:cNvSpPr>
           <p:nvPr>
-            <p:ph idx="1" type="body"/>
+            <p:ph type="body" idx="1"/>
           </p:nvPr>
         </p:nvSpPr>
         <p:spPr>
@@ -765,12 +793,12 @@
           </a:prstGeom>
         </p:spPr>
         <p:txBody>
-          <a:bodyPr anchorCtr="0" anchor="t" bIns="91425" lIns="91425" spcFirstLastPara="1" rIns="91425" wrap="square" tIns="91425">
+          <a:bodyPr spcFirstLastPara="1" wrap="square" lIns="91425" tIns="91425" rIns="91425" bIns="91425" anchor="t" anchorCtr="0">
             <a:noAutofit/>
           </a:bodyPr>
           <a:lstStyle/>
           <a:p>
-            <a:pPr indent="0" lvl="0" marL="0" rtl="0" algn="l">
+            <a:pPr marL="0" lvl="0" indent="0" algn="l" rtl="0">
               <a:spcBef>
                 <a:spcPts val="0"/>
               </a:spcBef>
@@ -779,14 +807,16 @@
               </a:spcAft>
               <a:buNone/>
             </a:pPr>
-            <a:r>
-              <a:t/>
-            </a:r>
             <a:endParaRPr/>
           </a:p>
         </p:txBody>
       </p:sp>
     </p:spTree>
+    <p:extLst>
+      <p:ext uri="{BB962C8B-B14F-4D97-AF65-F5344CB8AC3E}">
+        <p14:creationId xmlns:p14="http://schemas.microsoft.com/office/powerpoint/2010/main" val="2372442677"/>
+      </p:ext>
+    </p:extLst>
   </p:cSld>
   <p:clrMapOvr>
     <a:masterClrMapping/>
@@ -795,7 +825,7 @@
 </file>
 
 <file path=ppt/slideLayouts/slideLayout1.xml><?xml version="1.0" encoding="utf-8"?>
-<p:sldLayout xmlns:a="http://schemas.openxmlformats.org/drawingml/2006/main" xmlns:r="http://schemas.openxmlformats.org/officeDocument/2006/relationships" xmlns:mc="http://schemas.openxmlformats.org/markup-compatibility/2006" xmlns:mv="urn:schemas-microsoft-com:mac:vml" xmlns:p="http://schemas.openxmlformats.org/presentationml/2006/main" xmlns:c="http://schemas.openxmlformats.org/drawingml/2006/chart" xmlns:dgm="http://schemas.openxmlformats.org/drawingml/2006/diagram" xmlns:o="urn:schemas-microsoft-com:office:office" xmlns:v="urn:schemas-microsoft-com:vml" xmlns:pvml="urn:schemas-microsoft-com:office:powerpoint" xmlns:com="http://schemas.openxmlformats.org/drawingml/2006/compatibility" xmlns:p14="http://schemas.microsoft.com/office/powerpoint/2010/main" xmlns:p15="http://schemas.microsoft.com/office/powerpoint/2012/main" xmlns:ahyp="http://schemas.microsoft.com/office/drawing/2018/hyperlinkcolor" matchingName="Title slide" type="title">
+<p:sldLayout xmlns:a="http://schemas.openxmlformats.org/drawingml/2006/main" xmlns:r="http://schemas.openxmlformats.org/officeDocument/2006/relationships" xmlns:p="http://schemas.openxmlformats.org/presentationml/2006/main" matchingName="Title slide" type="title">
   <p:cSld name="TITLE">
     <p:bg>
       <p:bgPr>
@@ -807,11 +837,12 @@
             <a:fillRect/>
           </a:stretch>
         </a:blipFill>
+        <a:effectLst/>
       </p:bgPr>
     </p:bg>
     <p:spTree>
       <p:nvGrpSpPr>
-        <p:cNvPr id="9" name="Shape 9"/>
+        <p:cNvPr id="1" name="Shape 9"/>
         <p:cNvGrpSpPr/>
         <p:nvPr/>
       </p:nvGrpSpPr>
@@ -826,7 +857,9 @@
       <p:sp>
         <p:nvSpPr>
           <p:cNvPr id="10" name="Google Shape;10;p2"/>
-          <p:cNvSpPr txBox="1"/>
+          <p:cNvSpPr txBox="1">
+            <a:spLocks noGrp="1"/>
+          </p:cNvSpPr>
           <p:nvPr>
             <p:ph type="ctrTitle"/>
           </p:nvPr>
@@ -841,7 +874,7 @@
           </a:prstGeom>
         </p:spPr>
         <p:txBody>
-          <a:bodyPr anchorCtr="0" anchor="b" bIns="91425" lIns="91425" spcFirstLastPara="1" rIns="91425" wrap="square" tIns="91425">
+          <a:bodyPr spcFirstLastPara="1" wrap="square" lIns="91425" tIns="91425" rIns="91425" bIns="91425" anchor="b" anchorCtr="0">
             <a:normAutofit/>
           </a:bodyPr>
           <a:lstStyle>
@@ -857,7 +890,7 @@
               </a:buClr>
               <a:buSzPts val="3300"/>
               <a:buNone/>
-              <a:defRPr b="1" sz="3300">
+              <a:defRPr sz="3300" b="1">
                 <a:solidFill>
                   <a:schemeClr val="lt1"/>
                 </a:solidFill>
@@ -875,7 +908,7 @@
               </a:buClr>
               <a:buSzPts val="3300"/>
               <a:buNone/>
-              <a:defRPr b="1" sz="3300">
+              <a:defRPr sz="3300" b="1">
                 <a:solidFill>
                   <a:schemeClr val="lt1"/>
                 </a:solidFill>
@@ -893,7 +926,7 @@
               </a:buClr>
               <a:buSzPts val="3300"/>
               <a:buNone/>
-              <a:defRPr b="1" sz="3300">
+              <a:defRPr sz="3300" b="1">
                 <a:solidFill>
                   <a:schemeClr val="lt1"/>
                 </a:solidFill>
@@ -911,7 +944,7 @@
               </a:buClr>
               <a:buSzPts val="3300"/>
               <a:buNone/>
-              <a:defRPr b="1" sz="3300">
+              <a:defRPr sz="3300" b="1">
                 <a:solidFill>
                   <a:schemeClr val="lt1"/>
                 </a:solidFill>
@@ -929,7 +962,7 @@
               </a:buClr>
               <a:buSzPts val="3300"/>
               <a:buNone/>
-              <a:defRPr b="1" sz="3300">
+              <a:defRPr sz="3300" b="1">
                 <a:solidFill>
                   <a:schemeClr val="lt1"/>
                 </a:solidFill>
@@ -947,7 +980,7 @@
               </a:buClr>
               <a:buSzPts val="3300"/>
               <a:buNone/>
-              <a:defRPr b="1" sz="3300">
+              <a:defRPr sz="3300" b="1">
                 <a:solidFill>
                   <a:schemeClr val="lt1"/>
                 </a:solidFill>
@@ -965,7 +998,7 @@
               </a:buClr>
               <a:buSzPts val="3300"/>
               <a:buNone/>
-              <a:defRPr b="1" sz="3300">
+              <a:defRPr sz="3300" b="1">
                 <a:solidFill>
                   <a:schemeClr val="lt1"/>
                 </a:solidFill>
@@ -983,7 +1016,7 @@
               </a:buClr>
               <a:buSzPts val="3300"/>
               <a:buNone/>
-              <a:defRPr b="1" sz="3300">
+              <a:defRPr sz="3300" b="1">
                 <a:solidFill>
                   <a:schemeClr val="lt1"/>
                 </a:solidFill>
@@ -1001,22 +1034,26 @@
               </a:buClr>
               <a:buSzPts val="3300"/>
               <a:buNone/>
-              <a:defRPr b="1" sz="3300">
+              <a:defRPr sz="3300" b="1">
                 <a:solidFill>
                   <a:schemeClr val="lt1"/>
                 </a:solidFill>
               </a:defRPr>
             </a:lvl9pPr>
           </a:lstStyle>
-          <a:p/>
+          <a:p>
+            <a:endParaRPr/>
+          </a:p>
         </p:txBody>
       </p:sp>
       <p:sp>
         <p:nvSpPr>
           <p:cNvPr id="11" name="Google Shape;11;p2"/>
-          <p:cNvSpPr txBox="1"/>
+          <p:cNvSpPr txBox="1">
+            <a:spLocks noGrp="1"/>
+          </p:cNvSpPr>
           <p:nvPr>
-            <p:ph idx="1" type="subTitle"/>
+            <p:ph type="subTitle" idx="1"/>
           </p:nvPr>
         </p:nvSpPr>
         <p:spPr>
@@ -1029,7 +1066,7 @@
           </a:prstGeom>
         </p:spPr>
         <p:txBody>
-          <a:bodyPr anchorCtr="0" anchor="t" bIns="91425" lIns="91425" spcFirstLastPara="1" rIns="91425" wrap="square" tIns="91425">
+          <a:bodyPr spcFirstLastPara="1" wrap="square" lIns="91425" tIns="91425" rIns="91425" bIns="91425" anchor="t" anchorCtr="0">
             <a:normAutofit/>
           </a:bodyPr>
           <a:lstStyle>
@@ -1223,15 +1260,19 @@
               </a:defRPr>
             </a:lvl9pPr>
           </a:lstStyle>
-          <a:p/>
+          <a:p>
+            <a:endParaRPr/>
+          </a:p>
         </p:txBody>
       </p:sp>
       <p:sp>
         <p:nvSpPr>
           <p:cNvPr id="12" name="Google Shape;12;p2"/>
-          <p:cNvSpPr txBox="1"/>
+          <p:cNvSpPr txBox="1">
+            <a:spLocks noGrp="1"/>
+          </p:cNvSpPr>
           <p:nvPr>
-            <p:ph idx="12" type="sldNum"/>
+            <p:ph type="sldNum" idx="12"/>
           </p:nvPr>
         </p:nvSpPr>
         <p:spPr>
@@ -1244,7 +1285,7 @@
           </a:prstGeom>
         </p:spPr>
         <p:txBody>
-          <a:bodyPr anchorCtr="0" anchor="ctr" bIns="91425" lIns="91425" spcFirstLastPara="1" rIns="91425" wrap="square" tIns="91425">
+          <a:bodyPr spcFirstLastPara="1" wrap="square" lIns="91425" tIns="91425" rIns="91425" bIns="91425" anchor="ctr" anchorCtr="0">
             <a:normAutofit/>
           </a:bodyPr>
           <a:lstStyle>
@@ -1286,7 +1327,7 @@
             </a:lvl9pPr>
           </a:lstStyle>
           <a:p>
-            <a:pPr indent="0" lvl="0" marL="0" rtl="0" algn="r">
+            <a:pPr marL="0" lvl="0" indent="0" algn="r" rtl="0">
               <a:spcBef>
                 <a:spcPts val="0"/>
               </a:spcBef>
@@ -1312,11 +1353,11 @@
 </file>
 
 <file path=ppt/slideLayouts/slideLayout10.xml><?xml version="1.0" encoding="utf-8"?>
-<p:sldLayout xmlns:a="http://schemas.openxmlformats.org/drawingml/2006/main" xmlns:r="http://schemas.openxmlformats.org/officeDocument/2006/relationships" xmlns:mc="http://schemas.openxmlformats.org/markup-compatibility/2006" xmlns:mv="urn:schemas-microsoft-com:mac:vml" xmlns:p="http://schemas.openxmlformats.org/presentationml/2006/main" xmlns:c="http://schemas.openxmlformats.org/drawingml/2006/chart" xmlns:dgm="http://schemas.openxmlformats.org/drawingml/2006/diagram" xmlns:o="urn:schemas-microsoft-com:office:office" xmlns:v="urn:schemas-microsoft-com:vml" xmlns:pvml="urn:schemas-microsoft-com:office:powerpoint" xmlns:com="http://schemas.openxmlformats.org/drawingml/2006/compatibility" xmlns:p14="http://schemas.microsoft.com/office/powerpoint/2010/main" xmlns:p15="http://schemas.microsoft.com/office/powerpoint/2012/main" xmlns:ahyp="http://schemas.microsoft.com/office/drawing/2018/hyperlinkcolor" matchingName="Big number">
+<p:sldLayout xmlns:a="http://schemas.openxmlformats.org/drawingml/2006/main" xmlns:r="http://schemas.openxmlformats.org/officeDocument/2006/relationships" xmlns:p="http://schemas.openxmlformats.org/presentationml/2006/main" matchingName="Big number">
   <p:cSld name="BIG_NUMBER">
     <p:spTree>
       <p:nvGrpSpPr>
-        <p:cNvPr id="44" name="Shape 44"/>
+        <p:cNvPr id="1" name="Shape 44"/>
         <p:cNvGrpSpPr/>
         <p:nvPr/>
       </p:nvGrpSpPr>
@@ -1331,9 +1372,11 @@
       <p:sp>
         <p:nvSpPr>
           <p:cNvPr id="45" name="Google Shape;45;p11"/>
-          <p:cNvSpPr txBox="1"/>
+          <p:cNvSpPr txBox="1">
+            <a:spLocks noGrp="1"/>
+          </p:cNvSpPr>
           <p:nvPr>
-            <p:ph hasCustomPrompt="1" type="title"/>
+            <p:ph type="title" hasCustomPrompt="1"/>
           </p:nvPr>
         </p:nvSpPr>
         <p:spPr>
@@ -1346,7 +1389,7 @@
           </a:prstGeom>
         </p:spPr>
         <p:txBody>
-          <a:bodyPr anchorCtr="0" anchor="b" bIns="91425" lIns="91425" spcFirstLastPara="1" rIns="91425" wrap="square" tIns="91425">
+          <a:bodyPr spcFirstLastPara="1" wrap="square" lIns="91425" tIns="91425" rIns="91425" bIns="91425" anchor="b" anchorCtr="0">
             <a:normAutofit/>
           </a:bodyPr>
           <a:lstStyle>
@@ -1460,9 +1503,11 @@
       <p:sp>
         <p:nvSpPr>
           <p:cNvPr id="46" name="Google Shape;46;p11"/>
-          <p:cNvSpPr txBox="1"/>
+          <p:cNvSpPr txBox="1">
+            <a:spLocks noGrp="1"/>
+          </p:cNvSpPr>
           <p:nvPr>
-            <p:ph idx="1" type="body"/>
+            <p:ph type="body" idx="1"/>
           </p:nvPr>
         </p:nvSpPr>
         <p:spPr>
@@ -1475,11 +1520,11 @@
           </a:prstGeom>
         </p:spPr>
         <p:txBody>
-          <a:bodyPr anchorCtr="0" anchor="t" bIns="91425" lIns="91425" spcFirstLastPara="1" rIns="91425" wrap="square" tIns="91425">
+          <a:bodyPr spcFirstLastPara="1" wrap="square" lIns="91425" tIns="91425" rIns="91425" bIns="91425" anchor="t" anchorCtr="0">
             <a:normAutofit/>
           </a:bodyPr>
           <a:lstStyle>
-            <a:lvl1pPr indent="-342900" lvl="0" marL="457200" algn="ctr">
+            <a:lvl1pPr marL="457200" lvl="0" indent="-342900" algn="ctr">
               <a:spcBef>
                 <a:spcPts val="0"/>
               </a:spcBef>
@@ -1490,7 +1535,7 @@
               <a:buChar char="●"/>
               <a:defRPr/>
             </a:lvl1pPr>
-            <a:lvl2pPr indent="-317500" lvl="1" marL="914400" algn="ctr">
+            <a:lvl2pPr marL="914400" lvl="1" indent="-317500" algn="ctr">
               <a:spcBef>
                 <a:spcPts val="0"/>
               </a:spcBef>
@@ -1501,7 +1546,7 @@
               <a:buChar char="○"/>
               <a:defRPr/>
             </a:lvl2pPr>
-            <a:lvl3pPr indent="-317500" lvl="2" marL="1371600" algn="ctr">
+            <a:lvl3pPr marL="1371600" lvl="2" indent="-317500" algn="ctr">
               <a:spcBef>
                 <a:spcPts val="0"/>
               </a:spcBef>
@@ -1512,7 +1557,7 @@
               <a:buChar char="■"/>
               <a:defRPr/>
             </a:lvl3pPr>
-            <a:lvl4pPr indent="-317500" lvl="3" marL="1828800" algn="ctr">
+            <a:lvl4pPr marL="1828800" lvl="3" indent="-317500" algn="ctr">
               <a:spcBef>
                 <a:spcPts val="0"/>
               </a:spcBef>
@@ -1523,7 +1568,7 @@
               <a:buChar char="●"/>
               <a:defRPr/>
             </a:lvl4pPr>
-            <a:lvl5pPr indent="-317500" lvl="4" marL="2286000" algn="ctr">
+            <a:lvl5pPr marL="2286000" lvl="4" indent="-317500" algn="ctr">
               <a:spcBef>
                 <a:spcPts val="0"/>
               </a:spcBef>
@@ -1534,7 +1579,7 @@
               <a:buChar char="○"/>
               <a:defRPr/>
             </a:lvl5pPr>
-            <a:lvl6pPr indent="-317500" lvl="5" marL="2743200" algn="ctr">
+            <a:lvl6pPr marL="2743200" lvl="5" indent="-317500" algn="ctr">
               <a:spcBef>
                 <a:spcPts val="0"/>
               </a:spcBef>
@@ -1545,7 +1590,7 @@
               <a:buChar char="■"/>
               <a:defRPr/>
             </a:lvl6pPr>
-            <a:lvl7pPr indent="-317500" lvl="6" marL="3200400" algn="ctr">
+            <a:lvl7pPr marL="3200400" lvl="6" indent="-317500" algn="ctr">
               <a:spcBef>
                 <a:spcPts val="0"/>
               </a:spcBef>
@@ -1556,7 +1601,7 @@
               <a:buChar char="●"/>
               <a:defRPr/>
             </a:lvl7pPr>
-            <a:lvl8pPr indent="-317500" lvl="7" marL="3657600" algn="ctr">
+            <a:lvl8pPr marL="3657600" lvl="7" indent="-317500" algn="ctr">
               <a:spcBef>
                 <a:spcPts val="0"/>
               </a:spcBef>
@@ -1567,7 +1612,7 @@
               <a:buChar char="○"/>
               <a:defRPr/>
             </a:lvl8pPr>
-            <a:lvl9pPr indent="-317500" lvl="8" marL="4114800" algn="ctr">
+            <a:lvl9pPr marL="4114800" lvl="8" indent="-317500" algn="ctr">
               <a:spcBef>
                 <a:spcPts val="0"/>
               </a:spcBef>
@@ -1579,15 +1624,19 @@
               <a:defRPr/>
             </a:lvl9pPr>
           </a:lstStyle>
-          <a:p/>
+          <a:p>
+            <a:endParaRPr/>
+          </a:p>
         </p:txBody>
       </p:sp>
       <p:sp>
         <p:nvSpPr>
           <p:cNvPr id="47" name="Google Shape;47;p11"/>
-          <p:cNvSpPr txBox="1"/>
+          <p:cNvSpPr txBox="1">
+            <a:spLocks noGrp="1"/>
+          </p:cNvSpPr>
           <p:nvPr>
-            <p:ph idx="12" type="sldNum"/>
+            <p:ph type="sldNum" idx="12"/>
           </p:nvPr>
         </p:nvSpPr>
         <p:spPr>
@@ -1600,7 +1649,7 @@
           </a:prstGeom>
         </p:spPr>
         <p:txBody>
-          <a:bodyPr anchorCtr="0" anchor="ctr" bIns="91425" lIns="91425" spcFirstLastPara="1" rIns="91425" wrap="square" tIns="91425">
+          <a:bodyPr spcFirstLastPara="1" wrap="square" lIns="91425" tIns="91425" rIns="91425" bIns="91425" anchor="ctr" anchorCtr="0">
             <a:normAutofit/>
           </a:bodyPr>
           <a:lstStyle>
@@ -1642,7 +1691,7 @@
             </a:lvl9pPr>
           </a:lstStyle>
           <a:p>
-            <a:pPr indent="0" lvl="0" marL="0" rtl="0" algn="r">
+            <a:pPr marL="0" lvl="0" indent="0" algn="r" rtl="0">
               <a:spcBef>
                 <a:spcPts val="0"/>
               </a:spcBef>
@@ -1668,11 +1717,11 @@
 </file>
 
 <file path=ppt/slideLayouts/slideLayout11.xml><?xml version="1.0" encoding="utf-8"?>
-<p:sldLayout xmlns:a="http://schemas.openxmlformats.org/drawingml/2006/main" xmlns:r="http://schemas.openxmlformats.org/officeDocument/2006/relationships" xmlns:mc="http://schemas.openxmlformats.org/markup-compatibility/2006" xmlns:mv="urn:schemas-microsoft-com:mac:vml" xmlns:p="http://schemas.openxmlformats.org/presentationml/2006/main" xmlns:c="http://schemas.openxmlformats.org/drawingml/2006/chart" xmlns:dgm="http://schemas.openxmlformats.org/drawingml/2006/diagram" xmlns:o="urn:schemas-microsoft-com:office:office" xmlns:v="urn:schemas-microsoft-com:vml" xmlns:pvml="urn:schemas-microsoft-com:office:powerpoint" xmlns:com="http://schemas.openxmlformats.org/drawingml/2006/compatibility" xmlns:p14="http://schemas.microsoft.com/office/powerpoint/2010/main" xmlns:p15="http://schemas.microsoft.com/office/powerpoint/2012/main" xmlns:ahyp="http://schemas.microsoft.com/office/drawing/2018/hyperlinkcolor" matchingName="Blank" type="blank">
+<p:sldLayout xmlns:a="http://schemas.openxmlformats.org/drawingml/2006/main" xmlns:r="http://schemas.openxmlformats.org/officeDocument/2006/relationships" xmlns:p="http://schemas.openxmlformats.org/presentationml/2006/main" matchingName="Blank" type="blank">
   <p:cSld name="BLANK">
     <p:spTree>
       <p:nvGrpSpPr>
-        <p:cNvPr id="48" name="Shape 48"/>
+        <p:cNvPr id="1" name="Shape 48"/>
         <p:cNvGrpSpPr/>
         <p:nvPr/>
       </p:nvGrpSpPr>
@@ -1687,9 +1736,11 @@
       <p:sp>
         <p:nvSpPr>
           <p:cNvPr id="49" name="Google Shape;49;p12"/>
-          <p:cNvSpPr txBox="1"/>
+          <p:cNvSpPr txBox="1">
+            <a:spLocks noGrp="1"/>
+          </p:cNvSpPr>
           <p:nvPr>
-            <p:ph idx="12" type="sldNum"/>
+            <p:ph type="sldNum" idx="12"/>
           </p:nvPr>
         </p:nvSpPr>
         <p:spPr>
@@ -1702,7 +1753,7 @@
           </a:prstGeom>
         </p:spPr>
         <p:txBody>
-          <a:bodyPr anchorCtr="0" anchor="ctr" bIns="91425" lIns="91425" spcFirstLastPara="1" rIns="91425" wrap="square" tIns="91425">
+          <a:bodyPr spcFirstLastPara="1" wrap="square" lIns="91425" tIns="91425" rIns="91425" bIns="91425" anchor="ctr" anchorCtr="0">
             <a:normAutofit/>
           </a:bodyPr>
           <a:lstStyle>
@@ -1744,7 +1795,7 @@
             </a:lvl9pPr>
           </a:lstStyle>
           <a:p>
-            <a:pPr indent="0" lvl="0" marL="0" rtl="0" algn="r">
+            <a:pPr marL="0" lvl="0" indent="0" algn="r" rtl="0">
               <a:spcBef>
                 <a:spcPts val="0"/>
               </a:spcBef>
@@ -1770,11 +1821,11 @@
 </file>
 
 <file path=ppt/slideLayouts/slideLayout2.xml><?xml version="1.0" encoding="utf-8"?>
-<p:sldLayout xmlns:a="http://schemas.openxmlformats.org/drawingml/2006/main" xmlns:r="http://schemas.openxmlformats.org/officeDocument/2006/relationships" xmlns:mc="http://schemas.openxmlformats.org/markup-compatibility/2006" xmlns:mv="urn:schemas-microsoft-com:mac:vml" xmlns:p="http://schemas.openxmlformats.org/presentationml/2006/main" xmlns:c="http://schemas.openxmlformats.org/drawingml/2006/chart" xmlns:dgm="http://schemas.openxmlformats.org/drawingml/2006/diagram" xmlns:o="urn:schemas-microsoft-com:office:office" xmlns:v="urn:schemas-microsoft-com:vml" xmlns:pvml="urn:schemas-microsoft-com:office:powerpoint" xmlns:com="http://schemas.openxmlformats.org/drawingml/2006/compatibility" xmlns:p14="http://schemas.microsoft.com/office/powerpoint/2010/main" xmlns:p15="http://schemas.microsoft.com/office/powerpoint/2012/main" xmlns:ahyp="http://schemas.microsoft.com/office/drawing/2018/hyperlinkcolor" matchingName="Section header" type="secHead">
+<p:sldLayout xmlns:a="http://schemas.openxmlformats.org/drawingml/2006/main" xmlns:r="http://schemas.openxmlformats.org/officeDocument/2006/relationships" xmlns:p="http://schemas.openxmlformats.org/presentationml/2006/main" matchingName="Section header" type="secHead">
   <p:cSld name="SECTION_HEADER">
     <p:spTree>
       <p:nvGrpSpPr>
-        <p:cNvPr id="13" name="Shape 13"/>
+        <p:cNvPr id="1" name="Shape 13"/>
         <p:cNvGrpSpPr/>
         <p:nvPr/>
       </p:nvGrpSpPr>
@@ -1789,7 +1840,9 @@
       <p:sp>
         <p:nvSpPr>
           <p:cNvPr id="14" name="Google Shape;14;p3"/>
-          <p:cNvSpPr txBox="1"/>
+          <p:cNvSpPr txBox="1">
+            <a:spLocks noGrp="1"/>
+          </p:cNvSpPr>
           <p:nvPr>
             <p:ph type="title"/>
           </p:nvPr>
@@ -1804,7 +1857,7 @@
           </a:prstGeom>
         </p:spPr>
         <p:txBody>
-          <a:bodyPr anchorCtr="0" anchor="ctr" bIns="91425" lIns="91425" spcFirstLastPara="1" rIns="91425" wrap="square" tIns="91425">
+          <a:bodyPr spcFirstLastPara="1" wrap="square" lIns="91425" tIns="91425" rIns="91425" bIns="91425" anchor="ctr" anchorCtr="0">
             <a:normAutofit/>
           </a:bodyPr>
           <a:lstStyle>
@@ -1908,15 +1961,19 @@
               <a:defRPr sz="3600"/>
             </a:lvl9pPr>
           </a:lstStyle>
-          <a:p/>
+          <a:p>
+            <a:endParaRPr/>
+          </a:p>
         </p:txBody>
       </p:sp>
       <p:sp>
         <p:nvSpPr>
           <p:cNvPr id="15" name="Google Shape;15;p3"/>
-          <p:cNvSpPr txBox="1"/>
+          <p:cNvSpPr txBox="1">
+            <a:spLocks noGrp="1"/>
+          </p:cNvSpPr>
           <p:nvPr>
-            <p:ph idx="12" type="sldNum"/>
+            <p:ph type="sldNum" idx="12"/>
           </p:nvPr>
         </p:nvSpPr>
         <p:spPr>
@@ -1929,7 +1986,7 @@
           </a:prstGeom>
         </p:spPr>
         <p:txBody>
-          <a:bodyPr anchorCtr="0" anchor="ctr" bIns="91425" lIns="91425" spcFirstLastPara="1" rIns="91425" wrap="square" tIns="91425">
+          <a:bodyPr spcFirstLastPara="1" wrap="square" lIns="91425" tIns="91425" rIns="91425" bIns="91425" anchor="ctr" anchorCtr="0">
             <a:normAutofit/>
           </a:bodyPr>
           <a:lstStyle>
@@ -1971,7 +2028,7 @@
             </a:lvl9pPr>
           </a:lstStyle>
           <a:p>
-            <a:pPr indent="0" lvl="0" marL="0" rtl="0" algn="r">
+            <a:pPr marL="0" lvl="0" indent="0" algn="r" rtl="0">
               <a:spcBef>
                 <a:spcPts val="0"/>
               </a:spcBef>
@@ -1997,7 +2054,7 @@
 </file>
 
 <file path=ppt/slideLayouts/slideLayout3.xml><?xml version="1.0" encoding="utf-8"?>
-<p:sldLayout xmlns:a="http://schemas.openxmlformats.org/drawingml/2006/main" xmlns:r="http://schemas.openxmlformats.org/officeDocument/2006/relationships" xmlns:mc="http://schemas.openxmlformats.org/markup-compatibility/2006" xmlns:mv="urn:schemas-microsoft-com:mac:vml" xmlns:p="http://schemas.openxmlformats.org/presentationml/2006/main" xmlns:c="http://schemas.openxmlformats.org/drawingml/2006/chart" xmlns:dgm="http://schemas.openxmlformats.org/drawingml/2006/diagram" xmlns:o="urn:schemas-microsoft-com:office:office" xmlns:v="urn:schemas-microsoft-com:vml" xmlns:pvml="urn:schemas-microsoft-com:office:powerpoint" xmlns:com="http://schemas.openxmlformats.org/drawingml/2006/compatibility" xmlns:p14="http://schemas.microsoft.com/office/powerpoint/2010/main" xmlns:p15="http://schemas.microsoft.com/office/powerpoint/2012/main" xmlns:ahyp="http://schemas.microsoft.com/office/drawing/2018/hyperlinkcolor" matchingName="Title and body" type="tx">
+<p:sldLayout xmlns:a="http://schemas.openxmlformats.org/drawingml/2006/main" xmlns:r="http://schemas.openxmlformats.org/officeDocument/2006/relationships" xmlns:p="http://schemas.openxmlformats.org/presentationml/2006/main" matchingName="Title and body" type="tx">
   <p:cSld name="TITLE_AND_BODY">
     <p:bg>
       <p:bgPr>
@@ -2009,11 +2066,12 @@
             <a:fillRect/>
           </a:stretch>
         </a:blipFill>
+        <a:effectLst/>
       </p:bgPr>
     </p:bg>
     <p:spTree>
       <p:nvGrpSpPr>
-        <p:cNvPr id="16" name="Shape 16"/>
+        <p:cNvPr id="1" name="Shape 16"/>
         <p:cNvGrpSpPr/>
         <p:nvPr/>
       </p:nvGrpSpPr>
@@ -2028,7 +2086,9 @@
       <p:sp>
         <p:nvSpPr>
           <p:cNvPr id="17" name="Google Shape;17;p4"/>
-          <p:cNvSpPr txBox="1"/>
+          <p:cNvSpPr txBox="1">
+            <a:spLocks noGrp="1"/>
+          </p:cNvSpPr>
           <p:nvPr>
             <p:ph type="title"/>
           </p:nvPr>
@@ -2043,7 +2103,7 @@
           </a:prstGeom>
         </p:spPr>
         <p:txBody>
-          <a:bodyPr anchorCtr="0" anchor="t" bIns="91425" lIns="91425" spcFirstLastPara="1" rIns="91425" wrap="square" tIns="91425">
+          <a:bodyPr spcFirstLastPara="1" wrap="square" lIns="91425" tIns="91425" rIns="91425" bIns="91425" anchor="t" anchorCtr="0">
             <a:normAutofit/>
           </a:bodyPr>
           <a:lstStyle>
@@ -2210,15 +2270,19 @@
               </a:defRPr>
             </a:lvl9pPr>
           </a:lstStyle>
-          <a:p/>
+          <a:p>
+            <a:endParaRPr/>
+          </a:p>
         </p:txBody>
       </p:sp>
       <p:sp>
         <p:nvSpPr>
           <p:cNvPr id="18" name="Google Shape;18;p4"/>
-          <p:cNvSpPr txBox="1"/>
+          <p:cNvSpPr txBox="1">
+            <a:spLocks noGrp="1"/>
+          </p:cNvSpPr>
           <p:nvPr>
-            <p:ph idx="1" type="body"/>
+            <p:ph type="body" idx="1"/>
           </p:nvPr>
         </p:nvSpPr>
         <p:spPr>
@@ -2231,11 +2295,11 @@
           </a:prstGeom>
         </p:spPr>
         <p:txBody>
-          <a:bodyPr anchorCtr="0" anchor="t" bIns="91425" lIns="91425" spcFirstLastPara="1" rIns="91425" wrap="square" tIns="91425">
+          <a:bodyPr spcFirstLastPara="1" wrap="square" lIns="91425" tIns="91425" rIns="91425" bIns="91425" anchor="t" anchorCtr="0">
             <a:normAutofit/>
           </a:bodyPr>
           <a:lstStyle>
-            <a:lvl1pPr indent="-342900" lvl="0" marL="457200">
+            <a:lvl1pPr marL="457200" lvl="0" indent="-342900">
               <a:spcBef>
                 <a:spcPts val="0"/>
               </a:spcBef>
@@ -2246,7 +2310,7 @@
               <a:buChar char="●"/>
               <a:defRPr/>
             </a:lvl1pPr>
-            <a:lvl2pPr indent="-317500" lvl="1" marL="914400">
+            <a:lvl2pPr marL="914400" lvl="1" indent="-317500">
               <a:spcBef>
                 <a:spcPts val="0"/>
               </a:spcBef>
@@ -2257,7 +2321,7 @@
               <a:buChar char="○"/>
               <a:defRPr/>
             </a:lvl2pPr>
-            <a:lvl3pPr indent="-317500" lvl="2" marL="1371600">
+            <a:lvl3pPr marL="1371600" lvl="2" indent="-317500">
               <a:spcBef>
                 <a:spcPts val="0"/>
               </a:spcBef>
@@ -2268,7 +2332,7 @@
               <a:buChar char="■"/>
               <a:defRPr/>
             </a:lvl3pPr>
-            <a:lvl4pPr indent="-317500" lvl="3" marL="1828800">
+            <a:lvl4pPr marL="1828800" lvl="3" indent="-317500">
               <a:spcBef>
                 <a:spcPts val="0"/>
               </a:spcBef>
@@ -2279,7 +2343,7 @@
               <a:buChar char="●"/>
               <a:defRPr/>
             </a:lvl4pPr>
-            <a:lvl5pPr indent="-317500" lvl="4" marL="2286000">
+            <a:lvl5pPr marL="2286000" lvl="4" indent="-317500">
               <a:spcBef>
                 <a:spcPts val="0"/>
               </a:spcBef>
@@ -2290,7 +2354,7 @@
               <a:buChar char="○"/>
               <a:defRPr/>
             </a:lvl5pPr>
-            <a:lvl6pPr indent="-317500" lvl="5" marL="2743200">
+            <a:lvl6pPr marL="2743200" lvl="5" indent="-317500">
               <a:spcBef>
                 <a:spcPts val="0"/>
               </a:spcBef>
@@ -2301,7 +2365,7 @@
               <a:buChar char="■"/>
               <a:defRPr/>
             </a:lvl6pPr>
-            <a:lvl7pPr indent="-317500" lvl="6" marL="3200400">
+            <a:lvl7pPr marL="3200400" lvl="6" indent="-317500">
               <a:spcBef>
                 <a:spcPts val="0"/>
               </a:spcBef>
@@ -2312,7 +2376,7 @@
               <a:buChar char="●"/>
               <a:defRPr/>
             </a:lvl7pPr>
-            <a:lvl8pPr indent="-317500" lvl="7" marL="3657600">
+            <a:lvl8pPr marL="3657600" lvl="7" indent="-317500">
               <a:spcBef>
                 <a:spcPts val="0"/>
               </a:spcBef>
@@ -2323,7 +2387,7 @@
               <a:buChar char="○"/>
               <a:defRPr/>
             </a:lvl8pPr>
-            <a:lvl9pPr indent="-317500" lvl="8" marL="4114800">
+            <a:lvl9pPr marL="4114800" lvl="8" indent="-317500">
               <a:spcBef>
                 <a:spcPts val="0"/>
               </a:spcBef>
@@ -2335,15 +2399,19 @@
               <a:defRPr/>
             </a:lvl9pPr>
           </a:lstStyle>
-          <a:p/>
+          <a:p>
+            <a:endParaRPr/>
+          </a:p>
         </p:txBody>
       </p:sp>
       <p:sp>
         <p:nvSpPr>
           <p:cNvPr id="19" name="Google Shape;19;p4"/>
-          <p:cNvSpPr txBox="1"/>
+          <p:cNvSpPr txBox="1">
+            <a:spLocks noGrp="1"/>
+          </p:cNvSpPr>
           <p:nvPr>
-            <p:ph idx="12" type="sldNum"/>
+            <p:ph type="sldNum" idx="12"/>
           </p:nvPr>
         </p:nvSpPr>
         <p:spPr>
@@ -2356,7 +2424,7 @@
           </a:prstGeom>
         </p:spPr>
         <p:txBody>
-          <a:bodyPr anchorCtr="0" anchor="ctr" bIns="91425" lIns="91425" spcFirstLastPara="1" rIns="91425" wrap="square" tIns="91425">
+          <a:bodyPr spcFirstLastPara="1" wrap="square" lIns="91425" tIns="91425" rIns="91425" bIns="91425" anchor="ctr" anchorCtr="0">
             <a:normAutofit/>
           </a:bodyPr>
           <a:lstStyle>
@@ -2398,7 +2466,7 @@
             </a:lvl9pPr>
           </a:lstStyle>
           <a:p>
-            <a:pPr indent="0" lvl="0" marL="0" rtl="0" algn="r">
+            <a:pPr marL="0" lvl="0" indent="0" algn="r" rtl="0">
               <a:spcBef>
                 <a:spcPts val="0"/>
               </a:spcBef>
@@ -2424,11 +2492,11 @@
 </file>
 
 <file path=ppt/slideLayouts/slideLayout4.xml><?xml version="1.0" encoding="utf-8"?>
-<p:sldLayout xmlns:a="http://schemas.openxmlformats.org/drawingml/2006/main" xmlns:r="http://schemas.openxmlformats.org/officeDocument/2006/relationships" xmlns:mc="http://schemas.openxmlformats.org/markup-compatibility/2006" xmlns:mv="urn:schemas-microsoft-com:mac:vml" xmlns:p="http://schemas.openxmlformats.org/presentationml/2006/main" xmlns:c="http://schemas.openxmlformats.org/drawingml/2006/chart" xmlns:dgm="http://schemas.openxmlformats.org/drawingml/2006/diagram" xmlns:o="urn:schemas-microsoft-com:office:office" xmlns:v="urn:schemas-microsoft-com:vml" xmlns:pvml="urn:schemas-microsoft-com:office:powerpoint" xmlns:com="http://schemas.openxmlformats.org/drawingml/2006/compatibility" xmlns:p14="http://schemas.microsoft.com/office/powerpoint/2010/main" xmlns:p15="http://schemas.microsoft.com/office/powerpoint/2012/main" xmlns:ahyp="http://schemas.microsoft.com/office/drawing/2018/hyperlinkcolor" matchingName="Title and two columns" type="twoColTx">
+<p:sldLayout xmlns:a="http://schemas.openxmlformats.org/drawingml/2006/main" xmlns:r="http://schemas.openxmlformats.org/officeDocument/2006/relationships" xmlns:p="http://schemas.openxmlformats.org/presentationml/2006/main" matchingName="Title and two columns" type="twoColTx">
   <p:cSld name="TITLE_AND_TWO_COLUMNS">
     <p:spTree>
       <p:nvGrpSpPr>
-        <p:cNvPr id="20" name="Shape 20"/>
+        <p:cNvPr id="1" name="Shape 20"/>
         <p:cNvGrpSpPr/>
         <p:nvPr/>
       </p:nvGrpSpPr>
@@ -2443,7 +2511,9 @@
       <p:sp>
         <p:nvSpPr>
           <p:cNvPr id="21" name="Google Shape;21;p5"/>
-          <p:cNvSpPr txBox="1"/>
+          <p:cNvSpPr txBox="1">
+            <a:spLocks noGrp="1"/>
+          </p:cNvSpPr>
           <p:nvPr>
             <p:ph type="title"/>
           </p:nvPr>
@@ -2458,7 +2528,7 @@
           </a:prstGeom>
         </p:spPr>
         <p:txBody>
-          <a:bodyPr anchorCtr="0" anchor="t" bIns="91425" lIns="91425" spcFirstLastPara="1" rIns="91425" wrap="square" tIns="91425">
+          <a:bodyPr spcFirstLastPara="1" wrap="square" lIns="91425" tIns="91425" rIns="91425" bIns="91425" anchor="t" anchorCtr="0">
             <a:normAutofit/>
           </a:bodyPr>
           <a:lstStyle>
@@ -2562,15 +2632,19 @@
               <a:defRPr/>
             </a:lvl9pPr>
           </a:lstStyle>
-          <a:p/>
+          <a:p>
+            <a:endParaRPr/>
+          </a:p>
         </p:txBody>
       </p:sp>
       <p:sp>
         <p:nvSpPr>
           <p:cNvPr id="22" name="Google Shape;22;p5"/>
-          <p:cNvSpPr txBox="1"/>
+          <p:cNvSpPr txBox="1">
+            <a:spLocks noGrp="1"/>
+          </p:cNvSpPr>
           <p:nvPr>
-            <p:ph idx="1" type="body"/>
+            <p:ph type="body" idx="1"/>
           </p:nvPr>
         </p:nvSpPr>
         <p:spPr>
@@ -2583,11 +2657,11 @@
           </a:prstGeom>
         </p:spPr>
         <p:txBody>
-          <a:bodyPr anchorCtr="0" anchor="t" bIns="91425" lIns="91425" spcFirstLastPara="1" rIns="91425" wrap="square" tIns="91425">
+          <a:bodyPr spcFirstLastPara="1" wrap="square" lIns="91425" tIns="91425" rIns="91425" bIns="91425" anchor="t" anchorCtr="0">
             <a:normAutofit/>
           </a:bodyPr>
           <a:lstStyle>
-            <a:lvl1pPr indent="-317500" lvl="0" marL="457200">
+            <a:lvl1pPr marL="457200" lvl="0" indent="-317500">
               <a:spcBef>
                 <a:spcPts val="0"/>
               </a:spcBef>
@@ -2598,7 +2672,7 @@
               <a:buChar char="●"/>
               <a:defRPr sz="1400"/>
             </a:lvl1pPr>
-            <a:lvl2pPr indent="-304800" lvl="1" marL="914400">
+            <a:lvl2pPr marL="914400" lvl="1" indent="-304800">
               <a:spcBef>
                 <a:spcPts val="0"/>
               </a:spcBef>
@@ -2609,7 +2683,7 @@
               <a:buChar char="○"/>
               <a:defRPr sz="1200"/>
             </a:lvl2pPr>
-            <a:lvl3pPr indent="-304800" lvl="2" marL="1371600">
+            <a:lvl3pPr marL="1371600" lvl="2" indent="-304800">
               <a:spcBef>
                 <a:spcPts val="0"/>
               </a:spcBef>
@@ -2620,7 +2694,7 @@
               <a:buChar char="■"/>
               <a:defRPr sz="1200"/>
             </a:lvl3pPr>
-            <a:lvl4pPr indent="-304800" lvl="3" marL="1828800">
+            <a:lvl4pPr marL="1828800" lvl="3" indent="-304800">
               <a:spcBef>
                 <a:spcPts val="0"/>
               </a:spcBef>
@@ -2631,7 +2705,7 @@
               <a:buChar char="●"/>
               <a:defRPr sz="1200"/>
             </a:lvl4pPr>
-            <a:lvl5pPr indent="-304800" lvl="4" marL="2286000">
+            <a:lvl5pPr marL="2286000" lvl="4" indent="-304800">
               <a:spcBef>
                 <a:spcPts val="0"/>
               </a:spcBef>
@@ -2642,7 +2716,7 @@
               <a:buChar char="○"/>
               <a:defRPr sz="1200"/>
             </a:lvl5pPr>
-            <a:lvl6pPr indent="-304800" lvl="5" marL="2743200">
+            <a:lvl6pPr marL="2743200" lvl="5" indent="-304800">
               <a:spcBef>
                 <a:spcPts val="0"/>
               </a:spcBef>
@@ -2653,7 +2727,7 @@
               <a:buChar char="■"/>
               <a:defRPr sz="1200"/>
             </a:lvl6pPr>
-            <a:lvl7pPr indent="-304800" lvl="6" marL="3200400">
+            <a:lvl7pPr marL="3200400" lvl="6" indent="-304800">
               <a:spcBef>
                 <a:spcPts val="0"/>
               </a:spcBef>
@@ -2664,7 +2738,7 @@
               <a:buChar char="●"/>
               <a:defRPr sz="1200"/>
             </a:lvl7pPr>
-            <a:lvl8pPr indent="-304800" lvl="7" marL="3657600">
+            <a:lvl8pPr marL="3657600" lvl="7" indent="-304800">
               <a:spcBef>
                 <a:spcPts val="0"/>
               </a:spcBef>
@@ -2675,7 +2749,7 @@
               <a:buChar char="○"/>
               <a:defRPr sz="1200"/>
             </a:lvl8pPr>
-            <a:lvl9pPr indent="-304800" lvl="8" marL="4114800">
+            <a:lvl9pPr marL="4114800" lvl="8" indent="-304800">
               <a:spcBef>
                 <a:spcPts val="0"/>
               </a:spcBef>
@@ -2687,15 +2761,19 @@
               <a:defRPr sz="1200"/>
             </a:lvl9pPr>
           </a:lstStyle>
-          <a:p/>
+          <a:p>
+            <a:endParaRPr/>
+          </a:p>
         </p:txBody>
       </p:sp>
       <p:sp>
         <p:nvSpPr>
           <p:cNvPr id="23" name="Google Shape;23;p5"/>
-          <p:cNvSpPr txBox="1"/>
+          <p:cNvSpPr txBox="1">
+            <a:spLocks noGrp="1"/>
+          </p:cNvSpPr>
           <p:nvPr>
-            <p:ph idx="2" type="body"/>
+            <p:ph type="body" idx="2"/>
           </p:nvPr>
         </p:nvSpPr>
         <p:spPr>
@@ -2708,11 +2786,11 @@
           </a:prstGeom>
         </p:spPr>
         <p:txBody>
-          <a:bodyPr anchorCtr="0" anchor="t" bIns="91425" lIns="91425" spcFirstLastPara="1" rIns="91425" wrap="square" tIns="91425">
+          <a:bodyPr spcFirstLastPara="1" wrap="square" lIns="91425" tIns="91425" rIns="91425" bIns="91425" anchor="t" anchorCtr="0">
             <a:normAutofit/>
           </a:bodyPr>
           <a:lstStyle>
-            <a:lvl1pPr indent="-317500" lvl="0" marL="457200">
+            <a:lvl1pPr marL="457200" lvl="0" indent="-317500">
               <a:spcBef>
                 <a:spcPts val="0"/>
               </a:spcBef>
@@ -2723,7 +2801,7 @@
               <a:buChar char="●"/>
               <a:defRPr sz="1400"/>
             </a:lvl1pPr>
-            <a:lvl2pPr indent="-304800" lvl="1" marL="914400">
+            <a:lvl2pPr marL="914400" lvl="1" indent="-304800">
               <a:spcBef>
                 <a:spcPts val="0"/>
               </a:spcBef>
@@ -2734,7 +2812,7 @@
               <a:buChar char="○"/>
               <a:defRPr sz="1200"/>
             </a:lvl2pPr>
-            <a:lvl3pPr indent="-304800" lvl="2" marL="1371600">
+            <a:lvl3pPr marL="1371600" lvl="2" indent="-304800">
               <a:spcBef>
                 <a:spcPts val="0"/>
               </a:spcBef>
@@ -2745,7 +2823,7 @@
               <a:buChar char="■"/>
               <a:defRPr sz="1200"/>
             </a:lvl3pPr>
-            <a:lvl4pPr indent="-304800" lvl="3" marL="1828800">
+            <a:lvl4pPr marL="1828800" lvl="3" indent="-304800">
               <a:spcBef>
                 <a:spcPts val="0"/>
               </a:spcBef>
@@ -2756,7 +2834,7 @@
               <a:buChar char="●"/>
               <a:defRPr sz="1200"/>
             </a:lvl4pPr>
-            <a:lvl5pPr indent="-304800" lvl="4" marL="2286000">
+            <a:lvl5pPr marL="2286000" lvl="4" indent="-304800">
               <a:spcBef>
                 <a:spcPts val="0"/>
               </a:spcBef>
@@ -2767,7 +2845,7 @@
               <a:buChar char="○"/>
               <a:defRPr sz="1200"/>
             </a:lvl5pPr>
-            <a:lvl6pPr indent="-304800" lvl="5" marL="2743200">
+            <a:lvl6pPr marL="2743200" lvl="5" indent="-304800">
               <a:spcBef>
                 <a:spcPts val="0"/>
               </a:spcBef>
@@ -2778,7 +2856,7 @@
               <a:buChar char="■"/>
               <a:defRPr sz="1200"/>
             </a:lvl6pPr>
-            <a:lvl7pPr indent="-304800" lvl="6" marL="3200400">
+            <a:lvl7pPr marL="3200400" lvl="6" indent="-304800">
               <a:spcBef>
                 <a:spcPts val="0"/>
               </a:spcBef>
@@ -2789,7 +2867,7 @@
               <a:buChar char="●"/>
               <a:defRPr sz="1200"/>
             </a:lvl7pPr>
-            <a:lvl8pPr indent="-304800" lvl="7" marL="3657600">
+            <a:lvl8pPr marL="3657600" lvl="7" indent="-304800">
               <a:spcBef>
                 <a:spcPts val="0"/>
               </a:spcBef>
@@ -2800,7 +2878,7 @@
               <a:buChar char="○"/>
               <a:defRPr sz="1200"/>
             </a:lvl8pPr>
-            <a:lvl9pPr indent="-304800" lvl="8" marL="4114800">
+            <a:lvl9pPr marL="4114800" lvl="8" indent="-304800">
               <a:spcBef>
                 <a:spcPts val="0"/>
               </a:spcBef>
@@ -2812,15 +2890,19 @@
               <a:defRPr sz="1200"/>
             </a:lvl9pPr>
           </a:lstStyle>
-          <a:p/>
+          <a:p>
+            <a:endParaRPr/>
+          </a:p>
         </p:txBody>
       </p:sp>
       <p:sp>
         <p:nvSpPr>
           <p:cNvPr id="24" name="Google Shape;24;p5"/>
-          <p:cNvSpPr txBox="1"/>
+          <p:cNvSpPr txBox="1">
+            <a:spLocks noGrp="1"/>
+          </p:cNvSpPr>
           <p:nvPr>
-            <p:ph idx="12" type="sldNum"/>
+            <p:ph type="sldNum" idx="12"/>
           </p:nvPr>
         </p:nvSpPr>
         <p:spPr>
@@ -2833,7 +2915,7 @@
           </a:prstGeom>
         </p:spPr>
         <p:txBody>
-          <a:bodyPr anchorCtr="0" anchor="ctr" bIns="91425" lIns="91425" spcFirstLastPara="1" rIns="91425" wrap="square" tIns="91425">
+          <a:bodyPr spcFirstLastPara="1" wrap="square" lIns="91425" tIns="91425" rIns="91425" bIns="91425" anchor="ctr" anchorCtr="0">
             <a:normAutofit/>
           </a:bodyPr>
           <a:lstStyle>
@@ -2875,7 +2957,7 @@
             </a:lvl9pPr>
           </a:lstStyle>
           <a:p>
-            <a:pPr indent="0" lvl="0" marL="0" rtl="0" algn="r">
+            <a:pPr marL="0" lvl="0" indent="0" algn="r" rtl="0">
               <a:spcBef>
                 <a:spcPts val="0"/>
               </a:spcBef>
@@ -2901,11 +2983,11 @@
 </file>
 
 <file path=ppt/slideLayouts/slideLayout5.xml><?xml version="1.0" encoding="utf-8"?>
-<p:sldLayout xmlns:a="http://schemas.openxmlformats.org/drawingml/2006/main" xmlns:r="http://schemas.openxmlformats.org/officeDocument/2006/relationships" xmlns:mc="http://schemas.openxmlformats.org/markup-compatibility/2006" xmlns:mv="urn:schemas-microsoft-com:mac:vml" xmlns:p="http://schemas.openxmlformats.org/presentationml/2006/main" xmlns:c="http://schemas.openxmlformats.org/drawingml/2006/chart" xmlns:dgm="http://schemas.openxmlformats.org/drawingml/2006/diagram" xmlns:o="urn:schemas-microsoft-com:office:office" xmlns:v="urn:schemas-microsoft-com:vml" xmlns:pvml="urn:schemas-microsoft-com:office:powerpoint" xmlns:com="http://schemas.openxmlformats.org/drawingml/2006/compatibility" xmlns:p14="http://schemas.microsoft.com/office/powerpoint/2010/main" xmlns:p15="http://schemas.microsoft.com/office/powerpoint/2012/main" xmlns:ahyp="http://schemas.microsoft.com/office/drawing/2018/hyperlinkcolor" matchingName="Title only" type="titleOnly">
+<p:sldLayout xmlns:a="http://schemas.openxmlformats.org/drawingml/2006/main" xmlns:r="http://schemas.openxmlformats.org/officeDocument/2006/relationships" xmlns:p="http://schemas.openxmlformats.org/presentationml/2006/main" matchingName="Title only" type="titleOnly">
   <p:cSld name="TITLE_ONLY">
     <p:spTree>
       <p:nvGrpSpPr>
-        <p:cNvPr id="25" name="Shape 25"/>
+        <p:cNvPr id="1" name="Shape 25"/>
         <p:cNvGrpSpPr/>
         <p:nvPr/>
       </p:nvGrpSpPr>
@@ -2920,7 +3002,9 @@
       <p:sp>
         <p:nvSpPr>
           <p:cNvPr id="26" name="Google Shape;26;p6"/>
-          <p:cNvSpPr txBox="1"/>
+          <p:cNvSpPr txBox="1">
+            <a:spLocks noGrp="1"/>
+          </p:cNvSpPr>
           <p:nvPr>
             <p:ph type="title"/>
           </p:nvPr>
@@ -2935,7 +3019,7 @@
           </a:prstGeom>
         </p:spPr>
         <p:txBody>
-          <a:bodyPr anchorCtr="0" anchor="t" bIns="91425" lIns="91425" spcFirstLastPara="1" rIns="91425" wrap="square" tIns="91425">
+          <a:bodyPr spcFirstLastPara="1" wrap="square" lIns="91425" tIns="91425" rIns="91425" bIns="91425" anchor="t" anchorCtr="0">
             <a:normAutofit/>
           </a:bodyPr>
           <a:lstStyle>
@@ -3039,15 +3123,19 @@
               <a:defRPr/>
             </a:lvl9pPr>
           </a:lstStyle>
-          <a:p/>
+          <a:p>
+            <a:endParaRPr/>
+          </a:p>
         </p:txBody>
       </p:sp>
       <p:sp>
         <p:nvSpPr>
           <p:cNvPr id="27" name="Google Shape;27;p6"/>
-          <p:cNvSpPr txBox="1"/>
+          <p:cNvSpPr txBox="1">
+            <a:spLocks noGrp="1"/>
+          </p:cNvSpPr>
           <p:nvPr>
-            <p:ph idx="12" type="sldNum"/>
+            <p:ph type="sldNum" idx="12"/>
           </p:nvPr>
         </p:nvSpPr>
         <p:spPr>
@@ -3060,7 +3148,7 @@
           </a:prstGeom>
         </p:spPr>
         <p:txBody>
-          <a:bodyPr anchorCtr="0" anchor="ctr" bIns="91425" lIns="91425" spcFirstLastPara="1" rIns="91425" wrap="square" tIns="91425">
+          <a:bodyPr spcFirstLastPara="1" wrap="square" lIns="91425" tIns="91425" rIns="91425" bIns="91425" anchor="ctr" anchorCtr="0">
             <a:normAutofit/>
           </a:bodyPr>
           <a:lstStyle>
@@ -3102,7 +3190,7 @@
             </a:lvl9pPr>
           </a:lstStyle>
           <a:p>
-            <a:pPr indent="0" lvl="0" marL="0" rtl="0" algn="r">
+            <a:pPr marL="0" lvl="0" indent="0" algn="r" rtl="0">
               <a:spcBef>
                 <a:spcPts val="0"/>
               </a:spcBef>
@@ -3128,11 +3216,11 @@
 </file>
 
 <file path=ppt/slideLayouts/slideLayout6.xml><?xml version="1.0" encoding="utf-8"?>
-<p:sldLayout xmlns:a="http://schemas.openxmlformats.org/drawingml/2006/main" xmlns:r="http://schemas.openxmlformats.org/officeDocument/2006/relationships" xmlns:mc="http://schemas.openxmlformats.org/markup-compatibility/2006" xmlns:mv="urn:schemas-microsoft-com:mac:vml" xmlns:p="http://schemas.openxmlformats.org/presentationml/2006/main" xmlns:c="http://schemas.openxmlformats.org/drawingml/2006/chart" xmlns:dgm="http://schemas.openxmlformats.org/drawingml/2006/diagram" xmlns:o="urn:schemas-microsoft-com:office:office" xmlns:v="urn:schemas-microsoft-com:vml" xmlns:pvml="urn:schemas-microsoft-com:office:powerpoint" xmlns:com="http://schemas.openxmlformats.org/drawingml/2006/compatibility" xmlns:p14="http://schemas.microsoft.com/office/powerpoint/2010/main" xmlns:p15="http://schemas.microsoft.com/office/powerpoint/2012/main" xmlns:ahyp="http://schemas.microsoft.com/office/drawing/2018/hyperlinkcolor" matchingName="One column text">
+<p:sldLayout xmlns:a="http://schemas.openxmlformats.org/drawingml/2006/main" xmlns:r="http://schemas.openxmlformats.org/officeDocument/2006/relationships" xmlns:p="http://schemas.openxmlformats.org/presentationml/2006/main" matchingName="One column text">
   <p:cSld name="ONE_COLUMN_TEXT">
     <p:spTree>
       <p:nvGrpSpPr>
-        <p:cNvPr id="28" name="Shape 28"/>
+        <p:cNvPr id="1" name="Shape 28"/>
         <p:cNvGrpSpPr/>
         <p:nvPr/>
       </p:nvGrpSpPr>
@@ -3147,7 +3235,9 @@
       <p:sp>
         <p:nvSpPr>
           <p:cNvPr id="29" name="Google Shape;29;p7"/>
-          <p:cNvSpPr txBox="1"/>
+          <p:cNvSpPr txBox="1">
+            <a:spLocks noGrp="1"/>
+          </p:cNvSpPr>
           <p:nvPr>
             <p:ph type="title"/>
           </p:nvPr>
@@ -3162,7 +3252,7 @@
           </a:prstGeom>
         </p:spPr>
         <p:txBody>
-          <a:bodyPr anchorCtr="0" anchor="b" bIns="91425" lIns="91425" spcFirstLastPara="1" rIns="91425" wrap="square" tIns="91425">
+          <a:bodyPr spcFirstLastPara="1" wrap="square" lIns="91425" tIns="91425" rIns="91425" bIns="91425" anchor="b" anchorCtr="0">
             <a:normAutofit/>
           </a:bodyPr>
           <a:lstStyle>
@@ -3266,15 +3356,19 @@
               <a:defRPr sz="2400"/>
             </a:lvl9pPr>
           </a:lstStyle>
-          <a:p/>
+          <a:p>
+            <a:endParaRPr/>
+          </a:p>
         </p:txBody>
       </p:sp>
       <p:sp>
         <p:nvSpPr>
           <p:cNvPr id="30" name="Google Shape;30;p7"/>
-          <p:cNvSpPr txBox="1"/>
+          <p:cNvSpPr txBox="1">
+            <a:spLocks noGrp="1"/>
+          </p:cNvSpPr>
           <p:nvPr>
-            <p:ph idx="1" type="body"/>
+            <p:ph type="body" idx="1"/>
           </p:nvPr>
         </p:nvSpPr>
         <p:spPr>
@@ -3287,11 +3381,11 @@
           </a:prstGeom>
         </p:spPr>
         <p:txBody>
-          <a:bodyPr anchorCtr="0" anchor="t" bIns="91425" lIns="91425" spcFirstLastPara="1" rIns="91425" wrap="square" tIns="91425">
+          <a:bodyPr spcFirstLastPara="1" wrap="square" lIns="91425" tIns="91425" rIns="91425" bIns="91425" anchor="t" anchorCtr="0">
             <a:normAutofit/>
           </a:bodyPr>
           <a:lstStyle>
-            <a:lvl1pPr indent="-304800" lvl="0" marL="457200">
+            <a:lvl1pPr marL="457200" lvl="0" indent="-304800">
               <a:spcBef>
                 <a:spcPts val="0"/>
               </a:spcBef>
@@ -3302,7 +3396,7 @@
               <a:buChar char="●"/>
               <a:defRPr sz="1200"/>
             </a:lvl1pPr>
-            <a:lvl2pPr indent="-304800" lvl="1" marL="914400">
+            <a:lvl2pPr marL="914400" lvl="1" indent="-304800">
               <a:spcBef>
                 <a:spcPts val="0"/>
               </a:spcBef>
@@ -3313,7 +3407,7 @@
               <a:buChar char="○"/>
               <a:defRPr sz="1200"/>
             </a:lvl2pPr>
-            <a:lvl3pPr indent="-304800" lvl="2" marL="1371600">
+            <a:lvl3pPr marL="1371600" lvl="2" indent="-304800">
               <a:spcBef>
                 <a:spcPts val="0"/>
               </a:spcBef>
@@ -3324,7 +3418,7 @@
               <a:buChar char="■"/>
               <a:defRPr sz="1200"/>
             </a:lvl3pPr>
-            <a:lvl4pPr indent="-304800" lvl="3" marL="1828800">
+            <a:lvl4pPr marL="1828800" lvl="3" indent="-304800">
               <a:spcBef>
                 <a:spcPts val="0"/>
               </a:spcBef>
@@ -3335,7 +3429,7 @@
               <a:buChar char="●"/>
               <a:defRPr sz="1200"/>
             </a:lvl4pPr>
-            <a:lvl5pPr indent="-304800" lvl="4" marL="2286000">
+            <a:lvl5pPr marL="2286000" lvl="4" indent="-304800">
               <a:spcBef>
                 <a:spcPts val="0"/>
               </a:spcBef>
@@ -3346,7 +3440,7 @@
               <a:buChar char="○"/>
               <a:defRPr sz="1200"/>
             </a:lvl5pPr>
-            <a:lvl6pPr indent="-304800" lvl="5" marL="2743200">
+            <a:lvl6pPr marL="2743200" lvl="5" indent="-304800">
               <a:spcBef>
                 <a:spcPts val="0"/>
               </a:spcBef>
@@ -3357,7 +3451,7 @@
               <a:buChar char="■"/>
               <a:defRPr sz="1200"/>
             </a:lvl6pPr>
-            <a:lvl7pPr indent="-304800" lvl="6" marL="3200400">
+            <a:lvl7pPr marL="3200400" lvl="6" indent="-304800">
               <a:spcBef>
                 <a:spcPts val="0"/>
               </a:spcBef>
@@ -3368,7 +3462,7 @@
               <a:buChar char="●"/>
               <a:defRPr sz="1200"/>
             </a:lvl7pPr>
-            <a:lvl8pPr indent="-304800" lvl="7" marL="3657600">
+            <a:lvl8pPr marL="3657600" lvl="7" indent="-304800">
               <a:spcBef>
                 <a:spcPts val="0"/>
               </a:spcBef>
@@ -3379,7 +3473,7 @@
               <a:buChar char="○"/>
               <a:defRPr sz="1200"/>
             </a:lvl8pPr>
-            <a:lvl9pPr indent="-304800" lvl="8" marL="4114800">
+            <a:lvl9pPr marL="4114800" lvl="8" indent="-304800">
               <a:spcBef>
                 <a:spcPts val="0"/>
               </a:spcBef>
@@ -3391,15 +3485,19 @@
               <a:defRPr sz="1200"/>
             </a:lvl9pPr>
           </a:lstStyle>
-          <a:p/>
+          <a:p>
+            <a:endParaRPr/>
+          </a:p>
         </p:txBody>
       </p:sp>
       <p:sp>
         <p:nvSpPr>
           <p:cNvPr id="31" name="Google Shape;31;p7"/>
-          <p:cNvSpPr txBox="1"/>
+          <p:cNvSpPr txBox="1">
+            <a:spLocks noGrp="1"/>
+          </p:cNvSpPr>
           <p:nvPr>
-            <p:ph idx="12" type="sldNum"/>
+            <p:ph type="sldNum" idx="12"/>
           </p:nvPr>
         </p:nvSpPr>
         <p:spPr>
@@ -3412,7 +3510,7 @@
           </a:prstGeom>
         </p:spPr>
         <p:txBody>
-          <a:bodyPr anchorCtr="0" anchor="ctr" bIns="91425" lIns="91425" spcFirstLastPara="1" rIns="91425" wrap="square" tIns="91425">
+          <a:bodyPr spcFirstLastPara="1" wrap="square" lIns="91425" tIns="91425" rIns="91425" bIns="91425" anchor="ctr" anchorCtr="0">
             <a:normAutofit/>
           </a:bodyPr>
           <a:lstStyle>
@@ -3454,7 +3552,7 @@
             </a:lvl9pPr>
           </a:lstStyle>
           <a:p>
-            <a:pPr indent="0" lvl="0" marL="0" rtl="0" algn="r">
+            <a:pPr marL="0" lvl="0" indent="0" algn="r" rtl="0">
               <a:spcBef>
                 <a:spcPts val="0"/>
               </a:spcBef>
@@ -3480,11 +3578,11 @@
 </file>
 
 <file path=ppt/slideLayouts/slideLayout7.xml><?xml version="1.0" encoding="utf-8"?>
-<p:sldLayout xmlns:a="http://schemas.openxmlformats.org/drawingml/2006/main" xmlns:r="http://schemas.openxmlformats.org/officeDocument/2006/relationships" xmlns:mc="http://schemas.openxmlformats.org/markup-compatibility/2006" xmlns:mv="urn:schemas-microsoft-com:mac:vml" xmlns:p="http://schemas.openxmlformats.org/presentationml/2006/main" xmlns:c="http://schemas.openxmlformats.org/drawingml/2006/chart" xmlns:dgm="http://schemas.openxmlformats.org/drawingml/2006/diagram" xmlns:o="urn:schemas-microsoft-com:office:office" xmlns:v="urn:schemas-microsoft-com:vml" xmlns:pvml="urn:schemas-microsoft-com:office:powerpoint" xmlns:com="http://schemas.openxmlformats.org/drawingml/2006/compatibility" xmlns:p14="http://schemas.microsoft.com/office/powerpoint/2010/main" xmlns:p15="http://schemas.microsoft.com/office/powerpoint/2012/main" xmlns:ahyp="http://schemas.microsoft.com/office/drawing/2018/hyperlinkcolor" matchingName="Main point">
+<p:sldLayout xmlns:a="http://schemas.openxmlformats.org/drawingml/2006/main" xmlns:r="http://schemas.openxmlformats.org/officeDocument/2006/relationships" xmlns:p="http://schemas.openxmlformats.org/presentationml/2006/main" matchingName="Main point">
   <p:cSld name="MAIN_POINT">
     <p:spTree>
       <p:nvGrpSpPr>
-        <p:cNvPr id="32" name="Shape 32"/>
+        <p:cNvPr id="1" name="Shape 32"/>
         <p:cNvGrpSpPr/>
         <p:nvPr/>
       </p:nvGrpSpPr>
@@ -3499,7 +3597,9 @@
       <p:sp>
         <p:nvSpPr>
           <p:cNvPr id="33" name="Google Shape;33;p8"/>
-          <p:cNvSpPr txBox="1"/>
+          <p:cNvSpPr txBox="1">
+            <a:spLocks noGrp="1"/>
+          </p:cNvSpPr>
           <p:nvPr>
             <p:ph type="title"/>
           </p:nvPr>
@@ -3514,7 +3614,7 @@
           </a:prstGeom>
         </p:spPr>
         <p:txBody>
-          <a:bodyPr anchorCtr="0" anchor="ctr" bIns="91425" lIns="91425" spcFirstLastPara="1" rIns="91425" wrap="square" tIns="91425">
+          <a:bodyPr spcFirstLastPara="1" wrap="square" lIns="91425" tIns="91425" rIns="91425" bIns="91425" anchor="ctr" anchorCtr="0">
             <a:normAutofit/>
           </a:bodyPr>
           <a:lstStyle>
@@ -3618,15 +3718,19 @@
               <a:defRPr sz="4800"/>
             </a:lvl9pPr>
           </a:lstStyle>
-          <a:p/>
+          <a:p>
+            <a:endParaRPr/>
+          </a:p>
         </p:txBody>
       </p:sp>
       <p:sp>
         <p:nvSpPr>
           <p:cNvPr id="34" name="Google Shape;34;p8"/>
-          <p:cNvSpPr txBox="1"/>
+          <p:cNvSpPr txBox="1">
+            <a:spLocks noGrp="1"/>
+          </p:cNvSpPr>
           <p:nvPr>
-            <p:ph idx="12" type="sldNum"/>
+            <p:ph type="sldNum" idx="12"/>
           </p:nvPr>
         </p:nvSpPr>
         <p:spPr>
@@ -3639,7 +3743,7 @@
           </a:prstGeom>
         </p:spPr>
         <p:txBody>
-          <a:bodyPr anchorCtr="0" anchor="ctr" bIns="91425" lIns="91425" spcFirstLastPara="1" rIns="91425" wrap="square" tIns="91425">
+          <a:bodyPr spcFirstLastPara="1" wrap="square" lIns="91425" tIns="91425" rIns="91425" bIns="91425" anchor="ctr" anchorCtr="0">
             <a:normAutofit/>
           </a:bodyPr>
           <a:lstStyle>
@@ -3681,7 +3785,7 @@
             </a:lvl9pPr>
           </a:lstStyle>
           <a:p>
-            <a:pPr indent="0" lvl="0" marL="0" rtl="0" algn="r">
+            <a:pPr marL="0" lvl="0" indent="0" algn="r" rtl="0">
               <a:spcBef>
                 <a:spcPts val="0"/>
               </a:spcBef>
@@ -3707,11 +3811,11 @@
 </file>
 
 <file path=ppt/slideLayouts/slideLayout8.xml><?xml version="1.0" encoding="utf-8"?>
-<p:sldLayout xmlns:a="http://schemas.openxmlformats.org/drawingml/2006/main" xmlns:r="http://schemas.openxmlformats.org/officeDocument/2006/relationships" xmlns:mc="http://schemas.openxmlformats.org/markup-compatibility/2006" xmlns:mv="urn:schemas-microsoft-com:mac:vml" xmlns:p="http://schemas.openxmlformats.org/presentationml/2006/main" xmlns:c="http://schemas.openxmlformats.org/drawingml/2006/chart" xmlns:dgm="http://schemas.openxmlformats.org/drawingml/2006/diagram" xmlns:o="urn:schemas-microsoft-com:office:office" xmlns:v="urn:schemas-microsoft-com:vml" xmlns:pvml="urn:schemas-microsoft-com:office:powerpoint" xmlns:com="http://schemas.openxmlformats.org/drawingml/2006/compatibility" xmlns:p14="http://schemas.microsoft.com/office/powerpoint/2010/main" xmlns:p15="http://schemas.microsoft.com/office/powerpoint/2012/main" xmlns:ahyp="http://schemas.microsoft.com/office/drawing/2018/hyperlinkcolor" matchingName="Section title and description">
+<p:sldLayout xmlns:a="http://schemas.openxmlformats.org/drawingml/2006/main" xmlns:r="http://schemas.openxmlformats.org/officeDocument/2006/relationships" xmlns:p="http://schemas.openxmlformats.org/presentationml/2006/main" matchingName="Section title and description">
   <p:cSld name="SECTION_TITLE_AND_DESCRIPTION">
     <p:spTree>
       <p:nvGrpSpPr>
-        <p:cNvPr id="35" name="Shape 35"/>
+        <p:cNvPr id="1" name="Shape 35"/>
         <p:cNvGrpSpPr/>
         <p:nvPr/>
       </p:nvGrpSpPr>
@@ -3745,12 +3849,12 @@
           </a:ln>
         </p:spPr>
         <p:txBody>
-          <a:bodyPr anchorCtr="0" anchor="ctr" bIns="91425" lIns="91425" spcFirstLastPara="1" rIns="91425" wrap="square" tIns="91425">
+          <a:bodyPr spcFirstLastPara="1" wrap="square" lIns="91425" tIns="91425" rIns="91425" bIns="91425" anchor="ctr" anchorCtr="0">
             <a:noAutofit/>
           </a:bodyPr>
           <a:lstStyle/>
           <a:p>
-            <a:pPr indent="0" lvl="0" marL="0" rtl="0" algn="l">
+            <a:pPr marL="0" lvl="0" indent="0" algn="l" rtl="0">
               <a:spcBef>
                 <a:spcPts val="0"/>
               </a:spcBef>
@@ -3759,9 +3863,6 @@
               </a:spcAft>
               <a:buNone/>
             </a:pPr>
-            <a:r>
-              <a:t/>
-            </a:r>
             <a:endParaRPr/>
           </a:p>
         </p:txBody>
@@ -3769,7 +3870,9 @@
       <p:sp>
         <p:nvSpPr>
           <p:cNvPr id="37" name="Google Shape;37;p9"/>
-          <p:cNvSpPr txBox="1"/>
+          <p:cNvSpPr txBox="1">
+            <a:spLocks noGrp="1"/>
+          </p:cNvSpPr>
           <p:nvPr>
             <p:ph type="title"/>
           </p:nvPr>
@@ -3784,7 +3887,7 @@
           </a:prstGeom>
         </p:spPr>
         <p:txBody>
-          <a:bodyPr anchorCtr="0" anchor="b" bIns="91425" lIns="91425" spcFirstLastPara="1" rIns="91425" wrap="square" tIns="91425">
+          <a:bodyPr spcFirstLastPara="1" wrap="square" lIns="91425" tIns="91425" rIns="91425" bIns="91425" anchor="b" anchorCtr="0">
             <a:normAutofit/>
           </a:bodyPr>
           <a:lstStyle>
@@ -3888,15 +3991,19 @@
               <a:defRPr sz="4200"/>
             </a:lvl9pPr>
           </a:lstStyle>
-          <a:p/>
+          <a:p>
+            <a:endParaRPr/>
+          </a:p>
         </p:txBody>
       </p:sp>
       <p:sp>
         <p:nvSpPr>
           <p:cNvPr id="38" name="Google Shape;38;p9"/>
-          <p:cNvSpPr txBox="1"/>
+          <p:cNvSpPr txBox="1">
+            <a:spLocks noGrp="1"/>
+          </p:cNvSpPr>
           <p:nvPr>
-            <p:ph idx="1" type="subTitle"/>
+            <p:ph type="subTitle" idx="1"/>
           </p:nvPr>
         </p:nvSpPr>
         <p:spPr>
@@ -3909,7 +4016,7 @@
           </a:prstGeom>
         </p:spPr>
         <p:txBody>
-          <a:bodyPr anchorCtr="0" anchor="t" bIns="91425" lIns="91425" spcFirstLastPara="1" rIns="91425" wrap="square" tIns="91425">
+          <a:bodyPr spcFirstLastPara="1" wrap="square" lIns="91425" tIns="91425" rIns="91425" bIns="91425" anchor="t" anchorCtr="0">
             <a:normAutofit/>
           </a:bodyPr>
           <a:lstStyle>
@@ -4040,15 +4147,19 @@
               <a:defRPr sz="2100"/>
             </a:lvl9pPr>
           </a:lstStyle>
-          <a:p/>
+          <a:p>
+            <a:endParaRPr/>
+          </a:p>
         </p:txBody>
       </p:sp>
       <p:sp>
         <p:nvSpPr>
           <p:cNvPr id="39" name="Google Shape;39;p9"/>
-          <p:cNvSpPr txBox="1"/>
+          <p:cNvSpPr txBox="1">
+            <a:spLocks noGrp="1"/>
+          </p:cNvSpPr>
           <p:nvPr>
-            <p:ph idx="2" type="body"/>
+            <p:ph type="body" idx="2"/>
           </p:nvPr>
         </p:nvSpPr>
         <p:spPr>
@@ -4061,11 +4172,11 @@
           </a:prstGeom>
         </p:spPr>
         <p:txBody>
-          <a:bodyPr anchorCtr="0" anchor="ctr" bIns="91425" lIns="91425" spcFirstLastPara="1" rIns="91425" wrap="square" tIns="91425">
+          <a:bodyPr spcFirstLastPara="1" wrap="square" lIns="91425" tIns="91425" rIns="91425" bIns="91425" anchor="ctr" anchorCtr="0">
             <a:normAutofit/>
           </a:bodyPr>
           <a:lstStyle>
-            <a:lvl1pPr indent="-342900" lvl="0" marL="457200">
+            <a:lvl1pPr marL="457200" lvl="0" indent="-342900">
               <a:spcBef>
                 <a:spcPts val="0"/>
               </a:spcBef>
@@ -4076,7 +4187,7 @@
               <a:buChar char="●"/>
               <a:defRPr/>
             </a:lvl1pPr>
-            <a:lvl2pPr indent="-317500" lvl="1" marL="914400">
+            <a:lvl2pPr marL="914400" lvl="1" indent="-317500">
               <a:spcBef>
                 <a:spcPts val="0"/>
               </a:spcBef>
@@ -4087,7 +4198,7 @@
               <a:buChar char="○"/>
               <a:defRPr/>
             </a:lvl2pPr>
-            <a:lvl3pPr indent="-317500" lvl="2" marL="1371600">
+            <a:lvl3pPr marL="1371600" lvl="2" indent="-317500">
               <a:spcBef>
                 <a:spcPts val="0"/>
               </a:spcBef>
@@ -4098,7 +4209,7 @@
               <a:buChar char="■"/>
               <a:defRPr/>
             </a:lvl3pPr>
-            <a:lvl4pPr indent="-317500" lvl="3" marL="1828800">
+            <a:lvl4pPr marL="1828800" lvl="3" indent="-317500">
               <a:spcBef>
                 <a:spcPts val="0"/>
               </a:spcBef>
@@ -4109,7 +4220,7 @@
               <a:buChar char="●"/>
               <a:defRPr/>
             </a:lvl4pPr>
-            <a:lvl5pPr indent="-317500" lvl="4" marL="2286000">
+            <a:lvl5pPr marL="2286000" lvl="4" indent="-317500">
               <a:spcBef>
                 <a:spcPts val="0"/>
               </a:spcBef>
@@ -4120,7 +4231,7 @@
               <a:buChar char="○"/>
               <a:defRPr/>
             </a:lvl5pPr>
-            <a:lvl6pPr indent="-317500" lvl="5" marL="2743200">
+            <a:lvl6pPr marL="2743200" lvl="5" indent="-317500">
               <a:spcBef>
                 <a:spcPts val="0"/>
               </a:spcBef>
@@ -4131,7 +4242,7 @@
               <a:buChar char="■"/>
               <a:defRPr/>
             </a:lvl6pPr>
-            <a:lvl7pPr indent="-317500" lvl="6" marL="3200400">
+            <a:lvl7pPr marL="3200400" lvl="6" indent="-317500">
               <a:spcBef>
                 <a:spcPts val="0"/>
               </a:spcBef>
@@ -4142,7 +4253,7 @@
               <a:buChar char="●"/>
               <a:defRPr/>
             </a:lvl7pPr>
-            <a:lvl8pPr indent="-317500" lvl="7" marL="3657600">
+            <a:lvl8pPr marL="3657600" lvl="7" indent="-317500">
               <a:spcBef>
                 <a:spcPts val="0"/>
               </a:spcBef>
@@ -4153,7 +4264,7 @@
               <a:buChar char="○"/>
               <a:defRPr/>
             </a:lvl8pPr>
-            <a:lvl9pPr indent="-317500" lvl="8" marL="4114800">
+            <a:lvl9pPr marL="4114800" lvl="8" indent="-317500">
               <a:spcBef>
                 <a:spcPts val="0"/>
               </a:spcBef>
@@ -4165,15 +4276,19 @@
               <a:defRPr/>
             </a:lvl9pPr>
           </a:lstStyle>
-          <a:p/>
+          <a:p>
+            <a:endParaRPr/>
+          </a:p>
         </p:txBody>
       </p:sp>
       <p:sp>
         <p:nvSpPr>
           <p:cNvPr id="40" name="Google Shape;40;p9"/>
-          <p:cNvSpPr txBox="1"/>
+          <p:cNvSpPr txBox="1">
+            <a:spLocks noGrp="1"/>
+          </p:cNvSpPr>
           <p:nvPr>
-            <p:ph idx="12" type="sldNum"/>
+            <p:ph type="sldNum" idx="12"/>
           </p:nvPr>
         </p:nvSpPr>
         <p:spPr>
@@ -4186,7 +4301,7 @@
           </a:prstGeom>
         </p:spPr>
         <p:txBody>
-          <a:bodyPr anchorCtr="0" anchor="ctr" bIns="91425" lIns="91425" spcFirstLastPara="1" rIns="91425" wrap="square" tIns="91425">
+          <a:bodyPr spcFirstLastPara="1" wrap="square" lIns="91425" tIns="91425" rIns="91425" bIns="91425" anchor="ctr" anchorCtr="0">
             <a:normAutofit/>
           </a:bodyPr>
           <a:lstStyle>
@@ -4228,7 +4343,7 @@
             </a:lvl9pPr>
           </a:lstStyle>
           <a:p>
-            <a:pPr indent="0" lvl="0" marL="0" rtl="0" algn="r">
+            <a:pPr marL="0" lvl="0" indent="0" algn="r" rtl="0">
               <a:spcBef>
                 <a:spcPts val="0"/>
               </a:spcBef>
@@ -4254,11 +4369,11 @@
 </file>
 
 <file path=ppt/slideLayouts/slideLayout9.xml><?xml version="1.0" encoding="utf-8"?>
-<p:sldLayout xmlns:a="http://schemas.openxmlformats.org/drawingml/2006/main" xmlns:r="http://schemas.openxmlformats.org/officeDocument/2006/relationships" xmlns:mc="http://schemas.openxmlformats.org/markup-compatibility/2006" xmlns:mv="urn:schemas-microsoft-com:mac:vml" xmlns:p="http://schemas.openxmlformats.org/presentationml/2006/main" xmlns:c="http://schemas.openxmlformats.org/drawingml/2006/chart" xmlns:dgm="http://schemas.openxmlformats.org/drawingml/2006/diagram" xmlns:o="urn:schemas-microsoft-com:office:office" xmlns:v="urn:schemas-microsoft-com:vml" xmlns:pvml="urn:schemas-microsoft-com:office:powerpoint" xmlns:com="http://schemas.openxmlformats.org/drawingml/2006/compatibility" xmlns:p14="http://schemas.microsoft.com/office/powerpoint/2010/main" xmlns:p15="http://schemas.microsoft.com/office/powerpoint/2012/main" xmlns:ahyp="http://schemas.microsoft.com/office/drawing/2018/hyperlinkcolor" matchingName="Caption">
+<p:sldLayout xmlns:a="http://schemas.openxmlformats.org/drawingml/2006/main" xmlns:r="http://schemas.openxmlformats.org/officeDocument/2006/relationships" xmlns:p="http://schemas.openxmlformats.org/presentationml/2006/main" matchingName="Caption">
   <p:cSld name="CAPTION_ONLY">
     <p:spTree>
       <p:nvGrpSpPr>
-        <p:cNvPr id="41" name="Shape 41"/>
+        <p:cNvPr id="1" name="Shape 41"/>
         <p:cNvGrpSpPr/>
         <p:nvPr/>
       </p:nvGrpSpPr>
@@ -4273,9 +4388,11 @@
       <p:sp>
         <p:nvSpPr>
           <p:cNvPr id="42" name="Google Shape;42;p10"/>
-          <p:cNvSpPr txBox="1"/>
+          <p:cNvSpPr txBox="1">
+            <a:spLocks noGrp="1"/>
+          </p:cNvSpPr>
           <p:nvPr>
-            <p:ph idx="1" type="body"/>
+            <p:ph type="body" idx="1"/>
           </p:nvPr>
         </p:nvSpPr>
         <p:spPr>
@@ -4288,11 +4405,11 @@
           </a:prstGeom>
         </p:spPr>
         <p:txBody>
-          <a:bodyPr anchorCtr="0" anchor="ctr" bIns="91425" lIns="91425" spcFirstLastPara="1" rIns="91425" wrap="square" tIns="91425">
+          <a:bodyPr spcFirstLastPara="1" wrap="square" lIns="91425" tIns="91425" rIns="91425" bIns="91425" anchor="ctr" anchorCtr="0">
             <a:normAutofit/>
           </a:bodyPr>
           <a:lstStyle>
-            <a:lvl1pPr indent="-228600" lvl="0" marL="457200">
+            <a:lvl1pPr marL="457200" lvl="0" indent="-228600">
               <a:lnSpc>
                 <a:spcPct val="100000"/>
               </a:lnSpc>
@@ -4307,15 +4424,19 @@
               <a:defRPr/>
             </a:lvl1pPr>
           </a:lstStyle>
-          <a:p/>
+          <a:p>
+            <a:endParaRPr/>
+          </a:p>
         </p:txBody>
       </p:sp>
       <p:sp>
         <p:nvSpPr>
           <p:cNvPr id="43" name="Google Shape;43;p10"/>
-          <p:cNvSpPr txBox="1"/>
+          <p:cNvSpPr txBox="1">
+            <a:spLocks noGrp="1"/>
+          </p:cNvSpPr>
           <p:nvPr>
-            <p:ph idx="12" type="sldNum"/>
+            <p:ph type="sldNum" idx="12"/>
           </p:nvPr>
         </p:nvSpPr>
         <p:spPr>
@@ -4328,7 +4449,7 @@
           </a:prstGeom>
         </p:spPr>
         <p:txBody>
-          <a:bodyPr anchorCtr="0" anchor="ctr" bIns="91425" lIns="91425" spcFirstLastPara="1" rIns="91425" wrap="square" tIns="91425">
+          <a:bodyPr spcFirstLastPara="1" wrap="square" lIns="91425" tIns="91425" rIns="91425" bIns="91425" anchor="ctr" anchorCtr="0">
             <a:normAutofit/>
           </a:bodyPr>
           <a:lstStyle>
@@ -4370,7 +4491,7 @@
             </a:lvl9pPr>
           </a:lstStyle>
           <a:p>
-            <a:pPr indent="0" lvl="0" marL="0" rtl="0" algn="r">
+            <a:pPr marL="0" lvl="0" indent="0" algn="r" rtl="0">
               <a:spcBef>
                 <a:spcPts val="0"/>
               </a:spcBef>
@@ -4396,23 +4517,24 @@
 </file>
 
 <file path=ppt/slideMasters/slideMaster1.xml><?xml version="1.0" encoding="utf-8"?>
-<p:sldMaster xmlns:a="http://schemas.openxmlformats.org/drawingml/2006/main" xmlns:r="http://schemas.openxmlformats.org/officeDocument/2006/relationships" xmlns:mc="http://schemas.openxmlformats.org/markup-compatibility/2006" xmlns:mv="urn:schemas-microsoft-com:mac:vml" xmlns:p="http://schemas.openxmlformats.org/presentationml/2006/main" xmlns:c="http://schemas.openxmlformats.org/drawingml/2006/chart" xmlns:dgm="http://schemas.openxmlformats.org/drawingml/2006/diagram" xmlns:o="urn:schemas-microsoft-com:office:office" xmlns:v="urn:schemas-microsoft-com:vml" xmlns:pvml="urn:schemas-microsoft-com:office:powerpoint" xmlns:com="http://schemas.openxmlformats.org/drawingml/2006/compatibility" xmlns:p14="http://schemas.microsoft.com/office/powerpoint/2010/main" xmlns:p15="http://schemas.microsoft.com/office/powerpoint/2012/main" xmlns:ahyp="http://schemas.microsoft.com/office/drawing/2018/hyperlinkcolor">
+<p:sldMaster xmlns:a="http://schemas.openxmlformats.org/drawingml/2006/main" xmlns:r="http://schemas.openxmlformats.org/officeDocument/2006/relationships" xmlns:p="http://schemas.openxmlformats.org/presentationml/2006/main">
   <p:cSld name="simple-light-2">
     <p:bg>
       <p:bgPr>
         <a:blipFill>
-          <a:blip r:embed="rId1">
+          <a:blip r:embed="rId13">
             <a:alphaModFix/>
           </a:blip>
           <a:stretch>
             <a:fillRect/>
           </a:stretch>
         </a:blipFill>
+        <a:effectLst/>
       </p:bgPr>
     </p:bg>
     <p:spTree>
       <p:nvGrpSpPr>
-        <p:cNvPr id="5" name="Shape 5"/>
+        <p:cNvPr id="1" name="Shape 5"/>
         <p:cNvGrpSpPr/>
         <p:nvPr/>
       </p:nvGrpSpPr>
@@ -4427,7 +4549,9 @@
       <p:sp>
         <p:nvSpPr>
           <p:cNvPr id="6" name="Google Shape;6;p1"/>
-          <p:cNvSpPr txBox="1"/>
+          <p:cNvSpPr txBox="1">
+            <a:spLocks noGrp="1"/>
+          </p:cNvSpPr>
           <p:nvPr>
             <p:ph type="title"/>
           </p:nvPr>
@@ -4446,7 +4570,7 @@
           </a:ln>
         </p:spPr>
         <p:txBody>
-          <a:bodyPr anchorCtr="0" anchor="t" bIns="91425" lIns="91425" spcFirstLastPara="1" rIns="91425" wrap="square" tIns="91425">
+          <a:bodyPr spcFirstLastPara="1" wrap="square" lIns="91425" tIns="91425" rIns="91425" bIns="91425" anchor="t" anchorCtr="0">
             <a:normAutofit/>
           </a:bodyPr>
           <a:lstStyle>
@@ -4613,15 +4737,19 @@
               </a:defRPr>
             </a:lvl9pPr>
           </a:lstStyle>
-          <a:p/>
+          <a:p>
+            <a:endParaRPr/>
+          </a:p>
         </p:txBody>
       </p:sp>
       <p:sp>
         <p:nvSpPr>
           <p:cNvPr id="7" name="Google Shape;7;p1"/>
-          <p:cNvSpPr txBox="1"/>
+          <p:cNvSpPr txBox="1">
+            <a:spLocks noGrp="1"/>
+          </p:cNvSpPr>
           <p:nvPr>
-            <p:ph idx="1" type="body"/>
+            <p:ph type="body" idx="1"/>
           </p:nvPr>
         </p:nvSpPr>
         <p:spPr>
@@ -4638,11 +4766,11 @@
           </a:ln>
         </p:spPr>
         <p:txBody>
-          <a:bodyPr anchorCtr="0" anchor="t" bIns="91425" lIns="91425" spcFirstLastPara="1" rIns="91425" wrap="square" tIns="91425">
+          <a:bodyPr spcFirstLastPara="1" wrap="square" lIns="91425" tIns="91425" rIns="91425" bIns="91425" anchor="t" anchorCtr="0">
             <a:normAutofit/>
           </a:bodyPr>
           <a:lstStyle>
-            <a:lvl1pPr indent="-342900" lvl="0" marL="457200">
+            <a:lvl1pPr marL="457200" lvl="0" indent="-342900">
               <a:lnSpc>
                 <a:spcPct val="115000"/>
               </a:lnSpc>
@@ -4663,7 +4791,7 @@
                 </a:solidFill>
               </a:defRPr>
             </a:lvl1pPr>
-            <a:lvl2pPr indent="-317500" lvl="1" marL="914400">
+            <a:lvl2pPr marL="914400" lvl="1" indent="-317500">
               <a:lnSpc>
                 <a:spcPct val="115000"/>
               </a:lnSpc>
@@ -4684,7 +4812,7 @@
                 </a:solidFill>
               </a:defRPr>
             </a:lvl2pPr>
-            <a:lvl3pPr indent="-317500" lvl="2" marL="1371600">
+            <a:lvl3pPr marL="1371600" lvl="2" indent="-317500">
               <a:lnSpc>
                 <a:spcPct val="115000"/>
               </a:lnSpc>
@@ -4705,7 +4833,7 @@
                 </a:solidFill>
               </a:defRPr>
             </a:lvl3pPr>
-            <a:lvl4pPr indent="-317500" lvl="3" marL="1828800">
+            <a:lvl4pPr marL="1828800" lvl="3" indent="-317500">
               <a:lnSpc>
                 <a:spcPct val="115000"/>
               </a:lnSpc>
@@ -4726,7 +4854,7 @@
                 </a:solidFill>
               </a:defRPr>
             </a:lvl4pPr>
-            <a:lvl5pPr indent="-317500" lvl="4" marL="2286000">
+            <a:lvl5pPr marL="2286000" lvl="4" indent="-317500">
               <a:lnSpc>
                 <a:spcPct val="115000"/>
               </a:lnSpc>
@@ -4747,7 +4875,7 @@
                 </a:solidFill>
               </a:defRPr>
             </a:lvl5pPr>
-            <a:lvl6pPr indent="-317500" lvl="5" marL="2743200">
+            <a:lvl6pPr marL="2743200" lvl="5" indent="-317500">
               <a:lnSpc>
                 <a:spcPct val="115000"/>
               </a:lnSpc>
@@ -4768,7 +4896,7 @@
                 </a:solidFill>
               </a:defRPr>
             </a:lvl6pPr>
-            <a:lvl7pPr indent="-317500" lvl="6" marL="3200400">
+            <a:lvl7pPr marL="3200400" lvl="6" indent="-317500">
               <a:lnSpc>
                 <a:spcPct val="115000"/>
               </a:lnSpc>
@@ -4789,7 +4917,7 @@
                 </a:solidFill>
               </a:defRPr>
             </a:lvl7pPr>
-            <a:lvl8pPr indent="-317500" lvl="7" marL="3657600">
+            <a:lvl8pPr marL="3657600" lvl="7" indent="-317500">
               <a:lnSpc>
                 <a:spcPct val="115000"/>
               </a:lnSpc>
@@ -4810,7 +4938,7 @@
                 </a:solidFill>
               </a:defRPr>
             </a:lvl8pPr>
-            <a:lvl9pPr indent="-317500" lvl="8" marL="4114800">
+            <a:lvl9pPr marL="4114800" lvl="8" indent="-317500">
               <a:lnSpc>
                 <a:spcPct val="115000"/>
               </a:lnSpc>
@@ -4832,15 +4960,19 @@
               </a:defRPr>
             </a:lvl9pPr>
           </a:lstStyle>
-          <a:p/>
+          <a:p>
+            <a:endParaRPr/>
+          </a:p>
         </p:txBody>
       </p:sp>
       <p:sp>
         <p:nvSpPr>
           <p:cNvPr id="8" name="Google Shape;8;p1"/>
-          <p:cNvSpPr txBox="1"/>
+          <p:cNvSpPr txBox="1">
+            <a:spLocks noGrp="1"/>
+          </p:cNvSpPr>
           <p:nvPr>
-            <p:ph idx="12" type="sldNum"/>
+            <p:ph type="sldNum" idx="12"/>
           </p:nvPr>
         </p:nvSpPr>
         <p:spPr>
@@ -4857,7 +4989,7 @@
           </a:ln>
         </p:spPr>
         <p:txBody>
-          <a:bodyPr anchorCtr="0" anchor="ctr" bIns="91425" lIns="91425" spcFirstLastPara="1" rIns="91425" wrap="square" tIns="91425">
+          <a:bodyPr spcFirstLastPara="1" wrap="square" lIns="91425" tIns="91425" rIns="91425" bIns="91425" anchor="ctr" anchorCtr="0">
             <a:normAutofit/>
           </a:bodyPr>
           <a:lstStyle>
@@ -4935,7 +5067,7 @@
             </a:lvl9pPr>
           </a:lstStyle>
           <a:p>
-            <a:pPr indent="0" lvl="0" marL="0" rtl="0" algn="r">
+            <a:pPr marL="0" lvl="0" indent="0" algn="r" rtl="0">
               <a:spcBef>
                 <a:spcPts val="0"/>
               </a:spcBef>
@@ -4954,24 +5086,24 @@
       </p:sp>
     </p:spTree>
   </p:cSld>
-  <p:clrMap accent1="accent1" accent2="accent2" accent3="accent3" accent4="accent4" accent5="accent5" accent6="accent6" bg1="lt1" bg2="dk2" tx1="dk1" tx2="lt2" folHlink="folHlink" hlink="hlink"/>
+  <p:clrMap bg1="lt1" tx1="dk1" bg2="dk2" tx2="lt2" accent1="accent1" accent2="accent2" accent3="accent3" accent4="accent4" accent5="accent5" accent6="accent6" hlink="hlink" folHlink="folHlink"/>
   <p:sldLayoutIdLst>
-    <p:sldLayoutId id="2147483648" r:id="rId2"/>
-    <p:sldLayoutId id="2147483649" r:id="rId3"/>
-    <p:sldLayoutId id="2147483650" r:id="rId4"/>
-    <p:sldLayoutId id="2147483651" r:id="rId5"/>
-    <p:sldLayoutId id="2147483652" r:id="rId6"/>
-    <p:sldLayoutId id="2147483653" r:id="rId7"/>
-    <p:sldLayoutId id="2147483654" r:id="rId8"/>
-    <p:sldLayoutId id="2147483655" r:id="rId9"/>
-    <p:sldLayoutId id="2147483656" r:id="rId10"/>
-    <p:sldLayoutId id="2147483657" r:id="rId11"/>
-    <p:sldLayoutId id="2147483658" r:id="rId12"/>
+    <p:sldLayoutId id="2147483648" r:id="rId1"/>
+    <p:sldLayoutId id="2147483649" r:id="rId2"/>
+    <p:sldLayoutId id="2147483650" r:id="rId3"/>
+    <p:sldLayoutId id="2147483651" r:id="rId4"/>
+    <p:sldLayoutId id="2147483652" r:id="rId5"/>
+    <p:sldLayoutId id="2147483653" r:id="rId6"/>
+    <p:sldLayoutId id="2147483654" r:id="rId7"/>
+    <p:sldLayoutId id="2147483655" r:id="rId8"/>
+    <p:sldLayoutId id="2147483656" r:id="rId9"/>
+    <p:sldLayoutId id="2147483657" r:id="rId10"/>
+    <p:sldLayoutId id="2147483658" r:id="rId11"/>
   </p:sldLayoutIdLst>
-  <p:hf dt="0" ftr="0" hdr="0" sldNum="0"/>
+  <p:hf sldNum="0" hdr="0" ftr="0" dt="0"/>
   <p:txStyles>
     <p:titleStyle>
-      <a:defPPr lvl="0" marR="0" rtl="0" algn="l">
+      <a:defPPr marR="0" lvl="0" algn="l" rtl="0">
         <a:lnSpc>
           <a:spcPct val="100000"/>
         </a:lnSpc>
@@ -4982,7 +5114,7 @@
           <a:spcPts val="0"/>
         </a:spcAft>
       </a:defPPr>
-      <a:lvl1pPr lvl="0" marR="0" rtl="0" algn="l">
+      <a:lvl1pPr marR="0" lvl="0" algn="l" rtl="0">
         <a:lnSpc>
           <a:spcPct val="100000"/>
         </a:lnSpc>
@@ -4996,7 +5128,7 @@
           <a:srgbClr val="000000"/>
         </a:buClr>
         <a:buFont typeface="Arial"/>
-        <a:defRPr b="0" i="0" sz="1400" u="none" cap="none" strike="noStrike">
+        <a:defRPr sz="1400" b="0" i="0" u="none" strike="noStrike" cap="none">
           <a:solidFill>
             <a:srgbClr val="000000"/>
           </a:solidFill>
@@ -5006,7 +5138,7 @@
           <a:sym typeface="Arial"/>
         </a:defRPr>
       </a:lvl1pPr>
-      <a:lvl2pPr lvl="1" marR="0" rtl="0" algn="l">
+      <a:lvl2pPr marR="0" lvl="1" algn="l" rtl="0">
         <a:lnSpc>
           <a:spcPct val="100000"/>
         </a:lnSpc>
@@ -5020,7 +5152,7 @@
           <a:srgbClr val="000000"/>
         </a:buClr>
         <a:buFont typeface="Arial"/>
-        <a:defRPr b="0" i="0" sz="1400" u="none" cap="none" strike="noStrike">
+        <a:defRPr sz="1400" b="0" i="0" u="none" strike="noStrike" cap="none">
           <a:solidFill>
             <a:srgbClr val="000000"/>
           </a:solidFill>
@@ -5030,7 +5162,7 @@
           <a:sym typeface="Arial"/>
         </a:defRPr>
       </a:lvl2pPr>
-      <a:lvl3pPr lvl="2" marR="0" rtl="0" algn="l">
+      <a:lvl3pPr marR="0" lvl="2" algn="l" rtl="0">
         <a:lnSpc>
           <a:spcPct val="100000"/>
         </a:lnSpc>
@@ -5044,7 +5176,7 @@
           <a:srgbClr val="000000"/>
         </a:buClr>
         <a:buFont typeface="Arial"/>
-        <a:defRPr b="0" i="0" sz="1400" u="none" cap="none" strike="noStrike">
+        <a:defRPr sz="1400" b="0" i="0" u="none" strike="noStrike" cap="none">
           <a:solidFill>
             <a:srgbClr val="000000"/>
           </a:solidFill>
@@ -5054,7 +5186,7 @@
           <a:sym typeface="Arial"/>
         </a:defRPr>
       </a:lvl3pPr>
-      <a:lvl4pPr lvl="3" marR="0" rtl="0" algn="l">
+      <a:lvl4pPr marR="0" lvl="3" algn="l" rtl="0">
         <a:lnSpc>
           <a:spcPct val="100000"/>
         </a:lnSpc>
@@ -5068,7 +5200,7 @@
           <a:srgbClr val="000000"/>
         </a:buClr>
         <a:buFont typeface="Arial"/>
-        <a:defRPr b="0" i="0" sz="1400" u="none" cap="none" strike="noStrike">
+        <a:defRPr sz="1400" b="0" i="0" u="none" strike="noStrike" cap="none">
           <a:solidFill>
             <a:srgbClr val="000000"/>
           </a:solidFill>
@@ -5078,7 +5210,7 @@
           <a:sym typeface="Arial"/>
         </a:defRPr>
       </a:lvl4pPr>
-      <a:lvl5pPr lvl="4" marR="0" rtl="0" algn="l">
+      <a:lvl5pPr marR="0" lvl="4" algn="l" rtl="0">
         <a:lnSpc>
           <a:spcPct val="100000"/>
         </a:lnSpc>
@@ -5092,7 +5224,7 @@
           <a:srgbClr val="000000"/>
         </a:buClr>
         <a:buFont typeface="Arial"/>
-        <a:defRPr b="0" i="0" sz="1400" u="none" cap="none" strike="noStrike">
+        <a:defRPr sz="1400" b="0" i="0" u="none" strike="noStrike" cap="none">
           <a:solidFill>
             <a:srgbClr val="000000"/>
           </a:solidFill>
@@ -5102,7 +5234,7 @@
           <a:sym typeface="Arial"/>
         </a:defRPr>
       </a:lvl5pPr>
-      <a:lvl6pPr lvl="5" marR="0" rtl="0" algn="l">
+      <a:lvl6pPr marR="0" lvl="5" algn="l" rtl="0">
         <a:lnSpc>
           <a:spcPct val="100000"/>
         </a:lnSpc>
@@ -5116,7 +5248,7 @@
           <a:srgbClr val="000000"/>
         </a:buClr>
         <a:buFont typeface="Arial"/>
-        <a:defRPr b="0" i="0" sz="1400" u="none" cap="none" strike="noStrike">
+        <a:defRPr sz="1400" b="0" i="0" u="none" strike="noStrike" cap="none">
           <a:solidFill>
             <a:srgbClr val="000000"/>
           </a:solidFill>
@@ -5126,7 +5258,7 @@
           <a:sym typeface="Arial"/>
         </a:defRPr>
       </a:lvl6pPr>
-      <a:lvl7pPr lvl="6" marR="0" rtl="0" algn="l">
+      <a:lvl7pPr marR="0" lvl="6" algn="l" rtl="0">
         <a:lnSpc>
           <a:spcPct val="100000"/>
         </a:lnSpc>
@@ -5140,7 +5272,7 @@
           <a:srgbClr val="000000"/>
         </a:buClr>
         <a:buFont typeface="Arial"/>
-        <a:defRPr b="0" i="0" sz="1400" u="none" cap="none" strike="noStrike">
+        <a:defRPr sz="1400" b="0" i="0" u="none" strike="noStrike" cap="none">
           <a:solidFill>
             <a:srgbClr val="000000"/>
           </a:solidFill>
@@ -5150,7 +5282,7 @@
           <a:sym typeface="Arial"/>
         </a:defRPr>
       </a:lvl7pPr>
-      <a:lvl8pPr lvl="7" marR="0" rtl="0" algn="l">
+      <a:lvl8pPr marR="0" lvl="7" algn="l" rtl="0">
         <a:lnSpc>
           <a:spcPct val="100000"/>
         </a:lnSpc>
@@ -5164,7 +5296,7 @@
           <a:srgbClr val="000000"/>
         </a:buClr>
         <a:buFont typeface="Arial"/>
-        <a:defRPr b="0" i="0" sz="1400" u="none" cap="none" strike="noStrike">
+        <a:defRPr sz="1400" b="0" i="0" u="none" strike="noStrike" cap="none">
           <a:solidFill>
             <a:srgbClr val="000000"/>
           </a:solidFill>
@@ -5174,7 +5306,7 @@
           <a:sym typeface="Arial"/>
         </a:defRPr>
       </a:lvl8pPr>
-      <a:lvl9pPr lvl="8" marR="0" rtl="0" algn="l">
+      <a:lvl9pPr marR="0" lvl="8" algn="l" rtl="0">
         <a:lnSpc>
           <a:spcPct val="100000"/>
         </a:lnSpc>
@@ -5188,7 +5320,7 @@
           <a:srgbClr val="000000"/>
         </a:buClr>
         <a:buFont typeface="Arial"/>
-        <a:defRPr b="0" i="0" sz="1400" u="none" cap="none" strike="noStrike">
+        <a:defRPr sz="1400" b="0" i="0" u="none" strike="noStrike" cap="none">
           <a:solidFill>
             <a:srgbClr val="000000"/>
           </a:solidFill>
@@ -5200,7 +5332,7 @@
       </a:lvl9pPr>
     </p:titleStyle>
     <p:bodyStyle>
-      <a:defPPr lvl="0" marR="0" rtl="0" algn="l">
+      <a:defPPr marR="0" lvl="0" algn="l" rtl="0">
         <a:lnSpc>
           <a:spcPct val="100000"/>
         </a:lnSpc>
@@ -5211,7 +5343,7 @@
           <a:spcPts val="0"/>
         </a:spcAft>
       </a:defPPr>
-      <a:lvl1pPr lvl="0" marR="0" rtl="0" algn="l">
+      <a:lvl1pPr marR="0" lvl="0" algn="l" rtl="0">
         <a:lnSpc>
           <a:spcPct val="100000"/>
         </a:lnSpc>
@@ -5225,7 +5357,7 @@
           <a:srgbClr val="000000"/>
         </a:buClr>
         <a:buFont typeface="Arial"/>
-        <a:defRPr b="0" i="0" sz="1400" u="none" cap="none" strike="noStrike">
+        <a:defRPr sz="1400" b="0" i="0" u="none" strike="noStrike" cap="none">
           <a:solidFill>
             <a:srgbClr val="000000"/>
           </a:solidFill>
@@ -5235,7 +5367,7 @@
           <a:sym typeface="Arial"/>
         </a:defRPr>
       </a:lvl1pPr>
-      <a:lvl2pPr lvl="1" marR="0" rtl="0" algn="l">
+      <a:lvl2pPr marR="0" lvl="1" algn="l" rtl="0">
         <a:lnSpc>
           <a:spcPct val="100000"/>
         </a:lnSpc>
@@ -5249,7 +5381,7 @@
           <a:srgbClr val="000000"/>
         </a:buClr>
         <a:buFont typeface="Arial"/>
-        <a:defRPr b="0" i="0" sz="1400" u="none" cap="none" strike="noStrike">
+        <a:defRPr sz="1400" b="0" i="0" u="none" strike="noStrike" cap="none">
           <a:solidFill>
             <a:srgbClr val="000000"/>
           </a:solidFill>
@@ -5259,7 +5391,7 @@
           <a:sym typeface="Arial"/>
         </a:defRPr>
       </a:lvl2pPr>
-      <a:lvl3pPr lvl="2" marR="0" rtl="0" algn="l">
+      <a:lvl3pPr marR="0" lvl="2" algn="l" rtl="0">
         <a:lnSpc>
           <a:spcPct val="100000"/>
         </a:lnSpc>
@@ -5273,7 +5405,7 @@
           <a:srgbClr val="000000"/>
         </a:buClr>
         <a:buFont typeface="Arial"/>
-        <a:defRPr b="0" i="0" sz="1400" u="none" cap="none" strike="noStrike">
+        <a:defRPr sz="1400" b="0" i="0" u="none" strike="noStrike" cap="none">
           <a:solidFill>
             <a:srgbClr val="000000"/>
           </a:solidFill>
@@ -5283,7 +5415,7 @@
           <a:sym typeface="Arial"/>
         </a:defRPr>
       </a:lvl3pPr>
-      <a:lvl4pPr lvl="3" marR="0" rtl="0" algn="l">
+      <a:lvl4pPr marR="0" lvl="3" algn="l" rtl="0">
         <a:lnSpc>
           <a:spcPct val="100000"/>
         </a:lnSpc>
@@ -5297,7 +5429,7 @@
           <a:srgbClr val="000000"/>
         </a:buClr>
         <a:buFont typeface="Arial"/>
-        <a:defRPr b="0" i="0" sz="1400" u="none" cap="none" strike="noStrike">
+        <a:defRPr sz="1400" b="0" i="0" u="none" strike="noStrike" cap="none">
           <a:solidFill>
             <a:srgbClr val="000000"/>
           </a:solidFill>
@@ -5307,7 +5439,7 @@
           <a:sym typeface="Arial"/>
         </a:defRPr>
       </a:lvl4pPr>
-      <a:lvl5pPr lvl="4" marR="0" rtl="0" algn="l">
+      <a:lvl5pPr marR="0" lvl="4" algn="l" rtl="0">
         <a:lnSpc>
           <a:spcPct val="100000"/>
         </a:lnSpc>
@@ -5321,7 +5453,7 @@
           <a:srgbClr val="000000"/>
         </a:buClr>
         <a:buFont typeface="Arial"/>
-        <a:defRPr b="0" i="0" sz="1400" u="none" cap="none" strike="noStrike">
+        <a:defRPr sz="1400" b="0" i="0" u="none" strike="noStrike" cap="none">
           <a:solidFill>
             <a:srgbClr val="000000"/>
           </a:solidFill>
@@ -5331,7 +5463,7 @@
           <a:sym typeface="Arial"/>
         </a:defRPr>
       </a:lvl5pPr>
-      <a:lvl6pPr lvl="5" marR="0" rtl="0" algn="l">
+      <a:lvl6pPr marR="0" lvl="5" algn="l" rtl="0">
         <a:lnSpc>
           <a:spcPct val="100000"/>
         </a:lnSpc>
@@ -5345,7 +5477,7 @@
           <a:srgbClr val="000000"/>
         </a:buClr>
         <a:buFont typeface="Arial"/>
-        <a:defRPr b="0" i="0" sz="1400" u="none" cap="none" strike="noStrike">
+        <a:defRPr sz="1400" b="0" i="0" u="none" strike="noStrike" cap="none">
           <a:solidFill>
             <a:srgbClr val="000000"/>
           </a:solidFill>
@@ -5355,7 +5487,7 @@
           <a:sym typeface="Arial"/>
         </a:defRPr>
       </a:lvl6pPr>
-      <a:lvl7pPr lvl="6" marR="0" rtl="0" algn="l">
+      <a:lvl7pPr marR="0" lvl="6" algn="l" rtl="0">
         <a:lnSpc>
           <a:spcPct val="100000"/>
         </a:lnSpc>
@@ -5369,7 +5501,7 @@
           <a:srgbClr val="000000"/>
         </a:buClr>
         <a:buFont typeface="Arial"/>
-        <a:defRPr b="0" i="0" sz="1400" u="none" cap="none" strike="noStrike">
+        <a:defRPr sz="1400" b="0" i="0" u="none" strike="noStrike" cap="none">
           <a:solidFill>
             <a:srgbClr val="000000"/>
           </a:solidFill>
@@ -5379,7 +5511,7 @@
           <a:sym typeface="Arial"/>
         </a:defRPr>
       </a:lvl7pPr>
-      <a:lvl8pPr lvl="7" marR="0" rtl="0" algn="l">
+      <a:lvl8pPr marR="0" lvl="7" algn="l" rtl="0">
         <a:lnSpc>
           <a:spcPct val="100000"/>
         </a:lnSpc>
@@ -5393,7 +5525,7 @@
           <a:srgbClr val="000000"/>
         </a:buClr>
         <a:buFont typeface="Arial"/>
-        <a:defRPr b="0" i="0" sz="1400" u="none" cap="none" strike="noStrike">
+        <a:defRPr sz="1400" b="0" i="0" u="none" strike="noStrike" cap="none">
           <a:solidFill>
             <a:srgbClr val="000000"/>
           </a:solidFill>
@@ -5403,7 +5535,7 @@
           <a:sym typeface="Arial"/>
         </a:defRPr>
       </a:lvl8pPr>
-      <a:lvl9pPr lvl="8" marR="0" rtl="0" algn="l">
+      <a:lvl9pPr marR="0" lvl="8" algn="l" rtl="0">
         <a:lnSpc>
           <a:spcPct val="100000"/>
         </a:lnSpc>
@@ -5417,7 +5549,7 @@
           <a:srgbClr val="000000"/>
         </a:buClr>
         <a:buFont typeface="Arial"/>
-        <a:defRPr b="0" i="0" sz="1400" u="none" cap="none" strike="noStrike">
+        <a:defRPr sz="1400" b="0" i="0" u="none" strike="noStrike" cap="none">
           <a:solidFill>
             <a:srgbClr val="000000"/>
           </a:solidFill>
@@ -5429,7 +5561,7 @@
       </a:lvl9pPr>
     </p:bodyStyle>
     <p:otherStyle>
-      <a:defPPr lvl="0" marR="0" rtl="0" algn="l">
+      <a:defPPr marR="0" lvl="0" algn="l" rtl="0">
         <a:lnSpc>
           <a:spcPct val="100000"/>
         </a:lnSpc>
@@ -5440,7 +5572,7 @@
           <a:spcPts val="0"/>
         </a:spcAft>
       </a:defPPr>
-      <a:lvl1pPr lvl="0" marR="0" rtl="0" algn="l">
+      <a:lvl1pPr marR="0" lvl="0" algn="l" rtl="0">
         <a:lnSpc>
           <a:spcPct val="100000"/>
         </a:lnSpc>
@@ -5454,7 +5586,7 @@
           <a:srgbClr val="000000"/>
         </a:buClr>
         <a:buFont typeface="Arial"/>
-        <a:defRPr b="0" i="0" sz="1400" u="none" cap="none" strike="noStrike">
+        <a:defRPr sz="1400" b="0" i="0" u="none" strike="noStrike" cap="none">
           <a:solidFill>
             <a:srgbClr val="000000"/>
           </a:solidFill>
@@ -5464,7 +5596,7 @@
           <a:sym typeface="Arial"/>
         </a:defRPr>
       </a:lvl1pPr>
-      <a:lvl2pPr lvl="1" marR="0" rtl="0" algn="l">
+      <a:lvl2pPr marR="0" lvl="1" algn="l" rtl="0">
         <a:lnSpc>
           <a:spcPct val="100000"/>
         </a:lnSpc>
@@ -5478,7 +5610,7 @@
           <a:srgbClr val="000000"/>
         </a:buClr>
         <a:buFont typeface="Arial"/>
-        <a:defRPr b="0" i="0" sz="1400" u="none" cap="none" strike="noStrike">
+        <a:defRPr sz="1400" b="0" i="0" u="none" strike="noStrike" cap="none">
           <a:solidFill>
             <a:srgbClr val="000000"/>
           </a:solidFill>
@@ -5488,7 +5620,7 @@
           <a:sym typeface="Arial"/>
         </a:defRPr>
       </a:lvl2pPr>
-      <a:lvl3pPr lvl="2" marR="0" rtl="0" algn="l">
+      <a:lvl3pPr marR="0" lvl="2" algn="l" rtl="0">
         <a:lnSpc>
           <a:spcPct val="100000"/>
         </a:lnSpc>
@@ -5502,7 +5634,7 @@
           <a:srgbClr val="000000"/>
         </a:buClr>
         <a:buFont typeface="Arial"/>
-        <a:defRPr b="0" i="0" sz="1400" u="none" cap="none" strike="noStrike">
+        <a:defRPr sz="1400" b="0" i="0" u="none" strike="noStrike" cap="none">
           <a:solidFill>
             <a:srgbClr val="000000"/>
           </a:solidFill>
@@ -5512,7 +5644,7 @@
           <a:sym typeface="Arial"/>
         </a:defRPr>
       </a:lvl3pPr>
-      <a:lvl4pPr lvl="3" marR="0" rtl="0" algn="l">
+      <a:lvl4pPr marR="0" lvl="3" algn="l" rtl="0">
         <a:lnSpc>
           <a:spcPct val="100000"/>
         </a:lnSpc>
@@ -5526,7 +5658,7 @@
           <a:srgbClr val="000000"/>
         </a:buClr>
         <a:buFont typeface="Arial"/>
-        <a:defRPr b="0" i="0" sz="1400" u="none" cap="none" strike="noStrike">
+        <a:defRPr sz="1400" b="0" i="0" u="none" strike="noStrike" cap="none">
           <a:solidFill>
             <a:srgbClr val="000000"/>
           </a:solidFill>
@@ -5536,7 +5668,7 @@
           <a:sym typeface="Arial"/>
         </a:defRPr>
       </a:lvl4pPr>
-      <a:lvl5pPr lvl="4" marR="0" rtl="0" algn="l">
+      <a:lvl5pPr marR="0" lvl="4" algn="l" rtl="0">
         <a:lnSpc>
           <a:spcPct val="100000"/>
         </a:lnSpc>
@@ -5550,7 +5682,7 @@
           <a:srgbClr val="000000"/>
         </a:buClr>
         <a:buFont typeface="Arial"/>
-        <a:defRPr b="0" i="0" sz="1400" u="none" cap="none" strike="noStrike">
+        <a:defRPr sz="1400" b="0" i="0" u="none" strike="noStrike" cap="none">
           <a:solidFill>
             <a:srgbClr val="000000"/>
           </a:solidFill>
@@ -5560,7 +5692,7 @@
           <a:sym typeface="Arial"/>
         </a:defRPr>
       </a:lvl5pPr>
-      <a:lvl6pPr lvl="5" marR="0" rtl="0" algn="l">
+      <a:lvl6pPr marR="0" lvl="5" algn="l" rtl="0">
         <a:lnSpc>
           <a:spcPct val="100000"/>
         </a:lnSpc>
@@ -5574,7 +5706,7 @@
           <a:srgbClr val="000000"/>
         </a:buClr>
         <a:buFont typeface="Arial"/>
-        <a:defRPr b="0" i="0" sz="1400" u="none" cap="none" strike="noStrike">
+        <a:defRPr sz="1400" b="0" i="0" u="none" strike="noStrike" cap="none">
           <a:solidFill>
             <a:srgbClr val="000000"/>
           </a:solidFill>
@@ -5584,7 +5716,7 @@
           <a:sym typeface="Arial"/>
         </a:defRPr>
       </a:lvl6pPr>
-      <a:lvl7pPr lvl="6" marR="0" rtl="0" algn="l">
+      <a:lvl7pPr marR="0" lvl="6" algn="l" rtl="0">
         <a:lnSpc>
           <a:spcPct val="100000"/>
         </a:lnSpc>
@@ -5598,7 +5730,7 @@
           <a:srgbClr val="000000"/>
         </a:buClr>
         <a:buFont typeface="Arial"/>
-        <a:defRPr b="0" i="0" sz="1400" u="none" cap="none" strike="noStrike">
+        <a:defRPr sz="1400" b="0" i="0" u="none" strike="noStrike" cap="none">
           <a:solidFill>
             <a:srgbClr val="000000"/>
           </a:solidFill>
@@ -5608,7 +5740,7 @@
           <a:sym typeface="Arial"/>
         </a:defRPr>
       </a:lvl7pPr>
-      <a:lvl8pPr lvl="7" marR="0" rtl="0" algn="l">
+      <a:lvl8pPr marR="0" lvl="7" algn="l" rtl="0">
         <a:lnSpc>
           <a:spcPct val="100000"/>
         </a:lnSpc>
@@ -5622,7 +5754,7 @@
           <a:srgbClr val="000000"/>
         </a:buClr>
         <a:buFont typeface="Arial"/>
-        <a:defRPr b="0" i="0" sz="1400" u="none" cap="none" strike="noStrike">
+        <a:defRPr sz="1400" b="0" i="0" u="none" strike="noStrike" cap="none">
           <a:solidFill>
             <a:srgbClr val="000000"/>
           </a:solidFill>
@@ -5632,7 +5764,7 @@
           <a:sym typeface="Arial"/>
         </a:defRPr>
       </a:lvl8pPr>
-      <a:lvl9pPr lvl="8" marR="0" rtl="0" algn="l">
+      <a:lvl9pPr marR="0" lvl="8" algn="l" rtl="0">
         <a:lnSpc>
           <a:spcPct val="100000"/>
         </a:lnSpc>
@@ -5646,7 +5778,7 @@
           <a:srgbClr val="000000"/>
         </a:buClr>
         <a:buFont typeface="Arial"/>
-        <a:defRPr b="0" i="0" sz="1400" u="none" cap="none" strike="noStrike">
+        <a:defRPr sz="1400" b="0" i="0" u="none" strike="noStrike" cap="none">
           <a:solidFill>
             <a:srgbClr val="000000"/>
           </a:solidFill>
@@ -5662,11 +5794,11 @@
 </file>
 
 <file path=ppt/slides/slide1.xml><?xml version="1.0" encoding="utf-8"?>
-<p:sld xmlns:a="http://schemas.openxmlformats.org/drawingml/2006/main" xmlns:r="http://schemas.openxmlformats.org/officeDocument/2006/relationships" xmlns:mc="http://schemas.openxmlformats.org/markup-compatibility/2006" xmlns:mv="urn:schemas-microsoft-com:mac:vml" xmlns:p="http://schemas.openxmlformats.org/presentationml/2006/main" xmlns:c="http://schemas.openxmlformats.org/drawingml/2006/chart" xmlns:dgm="http://schemas.openxmlformats.org/drawingml/2006/diagram" xmlns:o="urn:schemas-microsoft-com:office:office" xmlns:v="urn:schemas-microsoft-com:vml" xmlns:pvml="urn:schemas-microsoft-com:office:powerpoint" xmlns:com="http://schemas.openxmlformats.org/drawingml/2006/compatibility" xmlns:p14="http://schemas.microsoft.com/office/powerpoint/2010/main" xmlns:p15="http://schemas.microsoft.com/office/powerpoint/2012/main" xmlns:ahyp="http://schemas.microsoft.com/office/drawing/2018/hyperlinkcolor">
+<p:sld xmlns:a="http://schemas.openxmlformats.org/drawingml/2006/main" xmlns:r="http://schemas.openxmlformats.org/officeDocument/2006/relationships" xmlns:p="http://schemas.openxmlformats.org/presentationml/2006/main">
   <p:cSld>
     <p:spTree>
       <p:nvGrpSpPr>
-        <p:cNvPr id="53" name="Shape 53"/>
+        <p:cNvPr id="1" name="Shape 53"/>
         <p:cNvGrpSpPr/>
         <p:nvPr/>
       </p:nvGrpSpPr>
@@ -5681,7 +5813,9 @@
       <p:sp>
         <p:nvSpPr>
           <p:cNvPr id="54" name="Google Shape;54;p13"/>
-          <p:cNvSpPr txBox="1"/>
+          <p:cNvSpPr txBox="1">
+            <a:spLocks noGrp="1"/>
+          </p:cNvSpPr>
           <p:nvPr>
             <p:ph type="title"/>
           </p:nvPr>
@@ -5696,12 +5830,12 @@
           </a:prstGeom>
         </p:spPr>
         <p:txBody>
-          <a:bodyPr anchorCtr="0" anchor="t" bIns="91425" lIns="91425" spcFirstLastPara="1" rIns="91425" wrap="square" tIns="91425">
+          <a:bodyPr spcFirstLastPara="1" wrap="square" lIns="91425" tIns="91425" rIns="91425" bIns="91425" anchor="t" anchorCtr="0">
             <a:noAutofit/>
           </a:bodyPr>
           <a:lstStyle/>
           <a:p>
-            <a:pPr indent="0" lvl="0" marL="0" rtl="0" algn="ctr">
+            <a:pPr marL="0" lvl="0" indent="0" algn="ctr" rtl="0">
               <a:spcBef>
                 <a:spcPts val="0"/>
               </a:spcBef>
@@ -5712,7 +5846,7 @@
               <a:buNone/>
             </a:pPr>
             <a:r>
-              <a:rPr b="1" lang="en" sz="1798">
+              <a:rPr lang="en" sz="1798" b="1">
                 <a:latin typeface="Roboto"/>
                 <a:ea typeface="Roboto"/>
                 <a:cs typeface="Roboto"/>
@@ -5720,7 +5854,7 @@
               </a:rPr>
               <a:t>Presenting Machine Learning Products to the Business Users</a:t>
             </a:r>
-            <a:endParaRPr b="1" sz="1798">
+            <a:endParaRPr sz="1798" b="1">
               <a:latin typeface="Roboto"/>
               <a:ea typeface="Roboto"/>
               <a:cs typeface="Roboto"/>
@@ -5731,13 +5865,19 @@
       </p:sp>
       <p:pic>
         <p:nvPicPr>
-          <p:cNvPr id="55" name="Google Shape;55;p13"/>
-          <p:cNvPicPr preferRelativeResize="0"/>
+          <p:cNvPr id="2" name="Picture 1"/>
+          <p:cNvPicPr>
+            <a:picLocks noChangeAspect="1"/>
+          </p:cNvPicPr>
           <p:nvPr/>
         </p:nvPicPr>
         <p:blipFill>
           <a:blip r:embed="rId3">
-            <a:alphaModFix/>
+            <a:extLst>
+              <a:ext uri="{28A0092B-C50C-407E-A947-70E740481C1C}">
+                <a14:useLocalDpi xmlns:a14="http://schemas.microsoft.com/office/drawing/2010/main" val="0"/>
+              </a:ext>
+            </a:extLst>
           </a:blip>
           <a:stretch>
             <a:fillRect/>
@@ -5745,16 +5885,12 @@
         </p:blipFill>
         <p:spPr>
           <a:xfrm>
-            <a:off x="152400" y="646125"/>
-            <a:ext cx="8771551" cy="4343275"/>
+            <a:off x="666107" y="579248"/>
+            <a:ext cx="8057563" cy="4564252"/>
           </a:xfrm>
           <a:prstGeom prst="rect">
             <a:avLst/>
           </a:prstGeom>
-          <a:noFill/>
-          <a:ln>
-            <a:noFill/>
-          </a:ln>
         </p:spPr>
       </p:pic>
     </p:spTree>
@@ -5766,7 +5902,7 @@
 </file>
 
 <file path=ppt/theme/theme1.xml><?xml version="1.0" encoding="utf-8"?>
-<a:theme xmlns:a="http://schemas.openxmlformats.org/drawingml/2006/main" xmlns:r="http://schemas.openxmlformats.org/officeDocument/2006/relationships" name="Simple Light">
+<a:theme xmlns:a="http://schemas.openxmlformats.org/drawingml/2006/main" name="Simple Light">
   <a:themeElements>
     <a:clrScheme name="Simple Light">
       <a:dk1>
@@ -6041,11 +6177,13 @@
       </a:bgFillStyleLst>
     </a:fmtScheme>
   </a:themeElements>
+  <a:objectDefaults/>
+  <a:extraClrSchemeLst/>
 </a:theme>
 </file>
 
 <file path=ppt/theme/theme2.xml><?xml version="1.0" encoding="utf-8"?>
-<a:theme xmlns:a="http://schemas.openxmlformats.org/drawingml/2006/main" xmlns:r="http://schemas.openxmlformats.org/officeDocument/2006/relationships">
+<a:theme xmlns:a="http://schemas.openxmlformats.org/drawingml/2006/main">
   <a:themeElements>
     <a:clrScheme name="Default">
       <a:dk1>
@@ -6320,5 +6458,7 @@
       </a:bgFillStyleLst>
     </a:fmtScheme>
   </a:themeElements>
+  <a:objectDefaults/>
+  <a:extraClrSchemeLst/>
 </a:theme>
 </file>